--- a/DigSite/New Arcaism/uarm 2025 1/FilMod/02 Galileo - dialgoues 2 new sciences.pptx
+++ b/DigSite/New Arcaism/uarm 2025 1/FilMod/02 Galileo - dialgoues 2 new sciences.pptx
@@ -10,40 +10,41 @@
     <p:sldId id="291" r:id="rId4"/>
     <p:sldId id="294" r:id="rId5"/>
     <p:sldId id="293" r:id="rId6"/>
-    <p:sldId id="257" r:id="rId7"/>
-    <p:sldId id="258" r:id="rId8"/>
-    <p:sldId id="261" r:id="rId9"/>
-    <p:sldId id="259" r:id="rId10"/>
-    <p:sldId id="260" r:id="rId11"/>
-    <p:sldId id="262" r:id="rId12"/>
-    <p:sldId id="263" r:id="rId13"/>
-    <p:sldId id="264" r:id="rId14"/>
-    <p:sldId id="265" r:id="rId15"/>
-    <p:sldId id="266" r:id="rId16"/>
-    <p:sldId id="267" r:id="rId17"/>
-    <p:sldId id="268" r:id="rId18"/>
-    <p:sldId id="269" r:id="rId19"/>
-    <p:sldId id="270" r:id="rId20"/>
-    <p:sldId id="271" r:id="rId21"/>
-    <p:sldId id="272" r:id="rId22"/>
-    <p:sldId id="273" r:id="rId23"/>
-    <p:sldId id="274" r:id="rId24"/>
-    <p:sldId id="275" r:id="rId25"/>
-    <p:sldId id="276" r:id="rId26"/>
-    <p:sldId id="277" r:id="rId27"/>
-    <p:sldId id="278" r:id="rId28"/>
-    <p:sldId id="280" r:id="rId29"/>
-    <p:sldId id="279" r:id="rId30"/>
-    <p:sldId id="281" r:id="rId31"/>
-    <p:sldId id="283" r:id="rId32"/>
-    <p:sldId id="282" r:id="rId33"/>
-    <p:sldId id="284" r:id="rId34"/>
-    <p:sldId id="285" r:id="rId35"/>
-    <p:sldId id="286" r:id="rId36"/>
-    <p:sldId id="287" r:id="rId37"/>
-    <p:sldId id="288" r:id="rId38"/>
-    <p:sldId id="289" r:id="rId39"/>
-    <p:sldId id="290" r:id="rId40"/>
+    <p:sldId id="295" r:id="rId7"/>
+    <p:sldId id="257" r:id="rId8"/>
+    <p:sldId id="258" r:id="rId9"/>
+    <p:sldId id="261" r:id="rId10"/>
+    <p:sldId id="259" r:id="rId11"/>
+    <p:sldId id="260" r:id="rId12"/>
+    <p:sldId id="262" r:id="rId13"/>
+    <p:sldId id="263" r:id="rId14"/>
+    <p:sldId id="264" r:id="rId15"/>
+    <p:sldId id="265" r:id="rId16"/>
+    <p:sldId id="266" r:id="rId17"/>
+    <p:sldId id="267" r:id="rId18"/>
+    <p:sldId id="268" r:id="rId19"/>
+    <p:sldId id="269" r:id="rId20"/>
+    <p:sldId id="270" r:id="rId21"/>
+    <p:sldId id="271" r:id="rId22"/>
+    <p:sldId id="272" r:id="rId23"/>
+    <p:sldId id="273" r:id="rId24"/>
+    <p:sldId id="274" r:id="rId25"/>
+    <p:sldId id="275" r:id="rId26"/>
+    <p:sldId id="276" r:id="rId27"/>
+    <p:sldId id="277" r:id="rId28"/>
+    <p:sldId id="278" r:id="rId29"/>
+    <p:sldId id="280" r:id="rId30"/>
+    <p:sldId id="279" r:id="rId31"/>
+    <p:sldId id="281" r:id="rId32"/>
+    <p:sldId id="283" r:id="rId33"/>
+    <p:sldId id="282" r:id="rId34"/>
+    <p:sldId id="284" r:id="rId35"/>
+    <p:sldId id="285" r:id="rId36"/>
+    <p:sldId id="286" r:id="rId37"/>
+    <p:sldId id="287" r:id="rId38"/>
+    <p:sldId id="288" r:id="rId39"/>
+    <p:sldId id="289" r:id="rId40"/>
+    <p:sldId id="290" r:id="rId41"/>
   </p:sldIdLst>
   <p:sldSz cx="12192000" cy="6858000"/>
   <p:notesSz cx="6858000" cy="9144000"/>
@@ -192,7 +193,7 @@
           </a:lstStyle>
           <a:p>
             <a:r>
-              <a:rPr lang="es-ES" smtClean="0"/>
+              <a:rPr lang="es-ES"/>
               <a:t>Haga clic para modificar el estilo de título del patrón</a:t>
             </a:r>
             <a:endParaRPr lang="es-PE"/>
@@ -257,7 +258,7 @@
           </a:lstStyle>
           <a:p>
             <a:r>
-              <a:rPr lang="es-ES" smtClean="0"/>
+              <a:rPr lang="es-ES"/>
               <a:t>Haga clic para editar el estilo de subtítulo del patrón</a:t>
             </a:r>
             <a:endParaRPr lang="es-PE"/>
@@ -281,7 +282,7 @@
           <a:p>
             <a:fld id="{689D459E-16D7-4BDF-A863-E680030D26EE}" type="datetimeFigureOut">
               <a:rPr lang="es-PE" smtClean="0"/>
-              <a:t>25/04/2024</a:t>
+              <a:t>21/03/2025</a:t>
             </a:fld>
             <a:endParaRPr lang="es-PE"/>
           </a:p>
@@ -323,7 +324,7 @@
           <a:p>
             <a:fld id="{9475C85D-39BC-440C-B6FD-1774F28EEF48}" type="slidenum">
               <a:rPr lang="es-PE" smtClean="0"/>
-              <a:t>‹Nº›</a:t>
+              <a:t>‹#›</a:t>
             </a:fld>
             <a:endParaRPr lang="es-PE"/>
           </a:p>
@@ -375,7 +376,7 @@
           <a:lstStyle/>
           <a:p>
             <a:r>
-              <a:rPr lang="es-ES" smtClean="0"/>
+              <a:rPr lang="es-ES"/>
               <a:t>Haga clic para modificar el estilo de título del patrón</a:t>
             </a:r>
             <a:endParaRPr lang="es-PE"/>
@@ -399,35 +400,35 @@
           <a:p>
             <a:pPr lvl="0"/>
             <a:r>
-              <a:rPr lang="es-ES" smtClean="0"/>
+              <a:rPr lang="es-ES"/>
               <a:t>Editar el estilo de texto del patrón</a:t>
             </a:r>
           </a:p>
           <a:p>
             <a:pPr lvl="1"/>
             <a:r>
-              <a:rPr lang="es-ES" smtClean="0"/>
+              <a:rPr lang="es-ES"/>
               <a:t>Segundo nivel</a:t>
             </a:r>
           </a:p>
           <a:p>
             <a:pPr lvl="2"/>
             <a:r>
-              <a:rPr lang="es-ES" smtClean="0"/>
+              <a:rPr lang="es-ES"/>
               <a:t>Tercer nivel</a:t>
             </a:r>
           </a:p>
           <a:p>
             <a:pPr lvl="3"/>
             <a:r>
-              <a:rPr lang="es-ES" smtClean="0"/>
+              <a:rPr lang="es-ES"/>
               <a:t>Cuarto nivel</a:t>
             </a:r>
           </a:p>
           <a:p>
             <a:pPr lvl="4"/>
             <a:r>
-              <a:rPr lang="es-ES" smtClean="0"/>
+              <a:rPr lang="es-ES"/>
               <a:t>Quinto nivel</a:t>
             </a:r>
             <a:endParaRPr lang="es-PE"/>
@@ -451,7 +452,7 @@
           <a:p>
             <a:fld id="{689D459E-16D7-4BDF-A863-E680030D26EE}" type="datetimeFigureOut">
               <a:rPr lang="es-PE" smtClean="0"/>
-              <a:t>25/04/2024</a:t>
+              <a:t>21/03/2025</a:t>
             </a:fld>
             <a:endParaRPr lang="es-PE"/>
           </a:p>
@@ -493,7 +494,7 @@
           <a:p>
             <a:fld id="{9475C85D-39BC-440C-B6FD-1774F28EEF48}" type="slidenum">
               <a:rPr lang="es-PE" smtClean="0"/>
-              <a:t>‹Nº›</a:t>
+              <a:t>‹#›</a:t>
             </a:fld>
             <a:endParaRPr lang="es-PE"/>
           </a:p>
@@ -550,7 +551,7 @@
           <a:lstStyle/>
           <a:p>
             <a:r>
-              <a:rPr lang="es-ES" smtClean="0"/>
+              <a:rPr lang="es-ES"/>
               <a:t>Haga clic para modificar el estilo de título del patrón</a:t>
             </a:r>
             <a:endParaRPr lang="es-PE"/>
@@ -579,35 +580,35 @@
           <a:p>
             <a:pPr lvl="0"/>
             <a:r>
-              <a:rPr lang="es-ES" smtClean="0"/>
+              <a:rPr lang="es-ES"/>
               <a:t>Editar el estilo de texto del patrón</a:t>
             </a:r>
           </a:p>
           <a:p>
             <a:pPr lvl="1"/>
             <a:r>
-              <a:rPr lang="es-ES" smtClean="0"/>
+              <a:rPr lang="es-ES"/>
               <a:t>Segundo nivel</a:t>
             </a:r>
           </a:p>
           <a:p>
             <a:pPr lvl="2"/>
             <a:r>
-              <a:rPr lang="es-ES" smtClean="0"/>
+              <a:rPr lang="es-ES"/>
               <a:t>Tercer nivel</a:t>
             </a:r>
           </a:p>
           <a:p>
             <a:pPr lvl="3"/>
             <a:r>
-              <a:rPr lang="es-ES" smtClean="0"/>
+              <a:rPr lang="es-ES"/>
               <a:t>Cuarto nivel</a:t>
             </a:r>
           </a:p>
           <a:p>
             <a:pPr lvl="4"/>
             <a:r>
-              <a:rPr lang="es-ES" smtClean="0"/>
+              <a:rPr lang="es-ES"/>
               <a:t>Quinto nivel</a:t>
             </a:r>
             <a:endParaRPr lang="es-PE"/>
@@ -631,7 +632,7 @@
           <a:p>
             <a:fld id="{689D459E-16D7-4BDF-A863-E680030D26EE}" type="datetimeFigureOut">
               <a:rPr lang="es-PE" smtClean="0"/>
-              <a:t>25/04/2024</a:t>
+              <a:t>21/03/2025</a:t>
             </a:fld>
             <a:endParaRPr lang="es-PE"/>
           </a:p>
@@ -673,7 +674,7 @@
           <a:p>
             <a:fld id="{9475C85D-39BC-440C-B6FD-1774F28EEF48}" type="slidenum">
               <a:rPr lang="es-PE" smtClean="0"/>
-              <a:t>‹Nº›</a:t>
+              <a:t>‹#›</a:t>
             </a:fld>
             <a:endParaRPr lang="es-PE"/>
           </a:p>
@@ -725,7 +726,7 @@
           <a:lstStyle/>
           <a:p>
             <a:r>
-              <a:rPr lang="es-ES" smtClean="0"/>
+              <a:rPr lang="es-ES"/>
               <a:t>Haga clic para modificar el estilo de título del patrón</a:t>
             </a:r>
             <a:endParaRPr lang="es-PE"/>
@@ -749,35 +750,35 @@
           <a:p>
             <a:pPr lvl="0"/>
             <a:r>
-              <a:rPr lang="es-ES" smtClean="0"/>
+              <a:rPr lang="es-ES"/>
               <a:t>Editar el estilo de texto del patrón</a:t>
             </a:r>
           </a:p>
           <a:p>
             <a:pPr lvl="1"/>
             <a:r>
-              <a:rPr lang="es-ES" smtClean="0"/>
+              <a:rPr lang="es-ES"/>
               <a:t>Segundo nivel</a:t>
             </a:r>
           </a:p>
           <a:p>
             <a:pPr lvl="2"/>
             <a:r>
-              <a:rPr lang="es-ES" smtClean="0"/>
+              <a:rPr lang="es-ES"/>
               <a:t>Tercer nivel</a:t>
             </a:r>
           </a:p>
           <a:p>
             <a:pPr lvl="3"/>
             <a:r>
-              <a:rPr lang="es-ES" smtClean="0"/>
+              <a:rPr lang="es-ES"/>
               <a:t>Cuarto nivel</a:t>
             </a:r>
           </a:p>
           <a:p>
             <a:pPr lvl="4"/>
             <a:r>
-              <a:rPr lang="es-ES" smtClean="0"/>
+              <a:rPr lang="es-ES"/>
               <a:t>Quinto nivel</a:t>
             </a:r>
             <a:endParaRPr lang="es-PE"/>
@@ -801,7 +802,7 @@
           <a:p>
             <a:fld id="{689D459E-16D7-4BDF-A863-E680030D26EE}" type="datetimeFigureOut">
               <a:rPr lang="es-PE" smtClean="0"/>
-              <a:t>25/04/2024</a:t>
+              <a:t>21/03/2025</a:t>
             </a:fld>
             <a:endParaRPr lang="es-PE"/>
           </a:p>
@@ -843,7 +844,7 @@
           <a:p>
             <a:fld id="{9475C85D-39BC-440C-B6FD-1774F28EEF48}" type="slidenum">
               <a:rPr lang="es-PE" smtClean="0"/>
-              <a:t>‹Nº›</a:t>
+              <a:t>‹#›</a:t>
             </a:fld>
             <a:endParaRPr lang="es-PE"/>
           </a:p>
@@ -904,7 +905,7 @@
           </a:lstStyle>
           <a:p>
             <a:r>
-              <a:rPr lang="es-ES" smtClean="0"/>
+              <a:rPr lang="es-ES"/>
               <a:t>Haga clic para modificar el estilo de título del patrón</a:t>
             </a:r>
             <a:endParaRPr lang="es-PE"/>
@@ -1024,7 +1025,7 @@
           <a:p>
             <a:pPr lvl="0"/>
             <a:r>
-              <a:rPr lang="es-ES" smtClean="0"/>
+              <a:rPr lang="es-ES"/>
               <a:t>Editar el estilo de texto del patrón</a:t>
             </a:r>
           </a:p>
@@ -1047,7 +1048,7 @@
           <a:p>
             <a:fld id="{689D459E-16D7-4BDF-A863-E680030D26EE}" type="datetimeFigureOut">
               <a:rPr lang="es-PE" smtClean="0"/>
-              <a:t>25/04/2024</a:t>
+              <a:t>21/03/2025</a:t>
             </a:fld>
             <a:endParaRPr lang="es-PE"/>
           </a:p>
@@ -1089,7 +1090,7 @@
           <a:p>
             <a:fld id="{9475C85D-39BC-440C-B6FD-1774F28EEF48}" type="slidenum">
               <a:rPr lang="es-PE" smtClean="0"/>
-              <a:t>‹Nº›</a:t>
+              <a:t>‹#›</a:t>
             </a:fld>
             <a:endParaRPr lang="es-PE"/>
           </a:p>
@@ -1141,7 +1142,7 @@
           <a:lstStyle/>
           <a:p>
             <a:r>
-              <a:rPr lang="es-ES" smtClean="0"/>
+              <a:rPr lang="es-ES"/>
               <a:t>Haga clic para modificar el estilo de título del patrón</a:t>
             </a:r>
             <a:endParaRPr lang="es-PE"/>
@@ -1170,35 +1171,35 @@
           <a:p>
             <a:pPr lvl="0"/>
             <a:r>
-              <a:rPr lang="es-ES" smtClean="0"/>
+              <a:rPr lang="es-ES"/>
               <a:t>Editar el estilo de texto del patrón</a:t>
             </a:r>
           </a:p>
           <a:p>
             <a:pPr lvl="1"/>
             <a:r>
-              <a:rPr lang="es-ES" smtClean="0"/>
+              <a:rPr lang="es-ES"/>
               <a:t>Segundo nivel</a:t>
             </a:r>
           </a:p>
           <a:p>
             <a:pPr lvl="2"/>
             <a:r>
-              <a:rPr lang="es-ES" smtClean="0"/>
+              <a:rPr lang="es-ES"/>
               <a:t>Tercer nivel</a:t>
             </a:r>
           </a:p>
           <a:p>
             <a:pPr lvl="3"/>
             <a:r>
-              <a:rPr lang="es-ES" smtClean="0"/>
+              <a:rPr lang="es-ES"/>
               <a:t>Cuarto nivel</a:t>
             </a:r>
           </a:p>
           <a:p>
             <a:pPr lvl="4"/>
             <a:r>
-              <a:rPr lang="es-ES" smtClean="0"/>
+              <a:rPr lang="es-ES"/>
               <a:t>Quinto nivel</a:t>
             </a:r>
             <a:endParaRPr lang="es-PE"/>
@@ -1227,35 +1228,35 @@
           <a:p>
             <a:pPr lvl="0"/>
             <a:r>
-              <a:rPr lang="es-ES" smtClean="0"/>
+              <a:rPr lang="es-ES"/>
               <a:t>Editar el estilo de texto del patrón</a:t>
             </a:r>
           </a:p>
           <a:p>
             <a:pPr lvl="1"/>
             <a:r>
-              <a:rPr lang="es-ES" smtClean="0"/>
+              <a:rPr lang="es-ES"/>
               <a:t>Segundo nivel</a:t>
             </a:r>
           </a:p>
           <a:p>
             <a:pPr lvl="2"/>
             <a:r>
-              <a:rPr lang="es-ES" smtClean="0"/>
+              <a:rPr lang="es-ES"/>
               <a:t>Tercer nivel</a:t>
             </a:r>
           </a:p>
           <a:p>
             <a:pPr lvl="3"/>
             <a:r>
-              <a:rPr lang="es-ES" smtClean="0"/>
+              <a:rPr lang="es-ES"/>
               <a:t>Cuarto nivel</a:t>
             </a:r>
           </a:p>
           <a:p>
             <a:pPr lvl="4"/>
             <a:r>
-              <a:rPr lang="es-ES" smtClean="0"/>
+              <a:rPr lang="es-ES"/>
               <a:t>Quinto nivel</a:t>
             </a:r>
             <a:endParaRPr lang="es-PE"/>
@@ -1279,7 +1280,7 @@
           <a:p>
             <a:fld id="{689D459E-16D7-4BDF-A863-E680030D26EE}" type="datetimeFigureOut">
               <a:rPr lang="es-PE" smtClean="0"/>
-              <a:t>25/04/2024</a:t>
+              <a:t>21/03/2025</a:t>
             </a:fld>
             <a:endParaRPr lang="es-PE"/>
           </a:p>
@@ -1321,7 +1322,7 @@
           <a:p>
             <a:fld id="{9475C85D-39BC-440C-B6FD-1774F28EEF48}" type="slidenum">
               <a:rPr lang="es-PE" smtClean="0"/>
-              <a:t>‹Nº›</a:t>
+              <a:t>‹#›</a:t>
             </a:fld>
             <a:endParaRPr lang="es-PE"/>
           </a:p>
@@ -1378,7 +1379,7 @@
           <a:lstStyle/>
           <a:p>
             <a:r>
-              <a:rPr lang="es-ES" smtClean="0"/>
+              <a:rPr lang="es-ES"/>
               <a:t>Haga clic para modificar el estilo de título del patrón</a:t>
             </a:r>
             <a:endParaRPr lang="es-PE"/>
@@ -1444,7 +1445,7 @@
           <a:p>
             <a:pPr lvl="0"/>
             <a:r>
-              <a:rPr lang="es-ES" smtClean="0"/>
+              <a:rPr lang="es-ES"/>
               <a:t>Editar el estilo de texto del patrón</a:t>
             </a:r>
           </a:p>
@@ -1472,35 +1473,35 @@
           <a:p>
             <a:pPr lvl="0"/>
             <a:r>
-              <a:rPr lang="es-ES" smtClean="0"/>
+              <a:rPr lang="es-ES"/>
               <a:t>Editar el estilo de texto del patrón</a:t>
             </a:r>
           </a:p>
           <a:p>
             <a:pPr lvl="1"/>
             <a:r>
-              <a:rPr lang="es-ES" smtClean="0"/>
+              <a:rPr lang="es-ES"/>
               <a:t>Segundo nivel</a:t>
             </a:r>
           </a:p>
           <a:p>
             <a:pPr lvl="2"/>
             <a:r>
-              <a:rPr lang="es-ES" smtClean="0"/>
+              <a:rPr lang="es-ES"/>
               <a:t>Tercer nivel</a:t>
             </a:r>
           </a:p>
           <a:p>
             <a:pPr lvl="3"/>
             <a:r>
-              <a:rPr lang="es-ES" smtClean="0"/>
+              <a:rPr lang="es-ES"/>
               <a:t>Cuarto nivel</a:t>
             </a:r>
           </a:p>
           <a:p>
             <a:pPr lvl="4"/>
             <a:r>
-              <a:rPr lang="es-ES" smtClean="0"/>
+              <a:rPr lang="es-ES"/>
               <a:t>Quinto nivel</a:t>
             </a:r>
             <a:endParaRPr lang="es-PE"/>
@@ -1566,7 +1567,7 @@
           <a:p>
             <a:pPr lvl="0"/>
             <a:r>
-              <a:rPr lang="es-ES" smtClean="0"/>
+              <a:rPr lang="es-ES"/>
               <a:t>Editar el estilo de texto del patrón</a:t>
             </a:r>
           </a:p>
@@ -1594,35 +1595,35 @@
           <a:p>
             <a:pPr lvl="0"/>
             <a:r>
-              <a:rPr lang="es-ES" smtClean="0"/>
+              <a:rPr lang="es-ES"/>
               <a:t>Editar el estilo de texto del patrón</a:t>
             </a:r>
           </a:p>
           <a:p>
             <a:pPr lvl="1"/>
             <a:r>
-              <a:rPr lang="es-ES" smtClean="0"/>
+              <a:rPr lang="es-ES"/>
               <a:t>Segundo nivel</a:t>
             </a:r>
           </a:p>
           <a:p>
             <a:pPr lvl="2"/>
             <a:r>
-              <a:rPr lang="es-ES" smtClean="0"/>
+              <a:rPr lang="es-ES"/>
               <a:t>Tercer nivel</a:t>
             </a:r>
           </a:p>
           <a:p>
             <a:pPr lvl="3"/>
             <a:r>
-              <a:rPr lang="es-ES" smtClean="0"/>
+              <a:rPr lang="es-ES"/>
               <a:t>Cuarto nivel</a:t>
             </a:r>
           </a:p>
           <a:p>
             <a:pPr lvl="4"/>
             <a:r>
-              <a:rPr lang="es-ES" smtClean="0"/>
+              <a:rPr lang="es-ES"/>
               <a:t>Quinto nivel</a:t>
             </a:r>
             <a:endParaRPr lang="es-PE"/>
@@ -1646,7 +1647,7 @@
           <a:p>
             <a:fld id="{689D459E-16D7-4BDF-A863-E680030D26EE}" type="datetimeFigureOut">
               <a:rPr lang="es-PE" smtClean="0"/>
-              <a:t>25/04/2024</a:t>
+              <a:t>21/03/2025</a:t>
             </a:fld>
             <a:endParaRPr lang="es-PE"/>
           </a:p>
@@ -1688,7 +1689,7 @@
           <a:p>
             <a:fld id="{9475C85D-39BC-440C-B6FD-1774F28EEF48}" type="slidenum">
               <a:rPr lang="es-PE" smtClean="0"/>
-              <a:t>‹Nº›</a:t>
+              <a:t>‹#›</a:t>
             </a:fld>
             <a:endParaRPr lang="es-PE"/>
           </a:p>
@@ -1740,7 +1741,7 @@
           <a:lstStyle/>
           <a:p>
             <a:r>
-              <a:rPr lang="es-ES" smtClean="0"/>
+              <a:rPr lang="es-ES"/>
               <a:t>Haga clic para modificar el estilo de título del patrón</a:t>
             </a:r>
             <a:endParaRPr lang="es-PE"/>
@@ -1764,7 +1765,7 @@
           <a:p>
             <a:fld id="{689D459E-16D7-4BDF-A863-E680030D26EE}" type="datetimeFigureOut">
               <a:rPr lang="es-PE" smtClean="0"/>
-              <a:t>25/04/2024</a:t>
+              <a:t>21/03/2025</a:t>
             </a:fld>
             <a:endParaRPr lang="es-PE"/>
           </a:p>
@@ -1806,7 +1807,7 @@
           <a:p>
             <a:fld id="{9475C85D-39BC-440C-B6FD-1774F28EEF48}" type="slidenum">
               <a:rPr lang="es-PE" smtClean="0"/>
-              <a:t>‹Nº›</a:t>
+              <a:t>‹#›</a:t>
             </a:fld>
             <a:endParaRPr lang="es-PE"/>
           </a:p>
@@ -1859,7 +1860,7 @@
           <a:p>
             <a:fld id="{689D459E-16D7-4BDF-A863-E680030D26EE}" type="datetimeFigureOut">
               <a:rPr lang="es-PE" smtClean="0"/>
-              <a:t>25/04/2024</a:t>
+              <a:t>21/03/2025</a:t>
             </a:fld>
             <a:endParaRPr lang="es-PE"/>
           </a:p>
@@ -1901,7 +1902,7 @@
           <a:p>
             <a:fld id="{9475C85D-39BC-440C-B6FD-1774F28EEF48}" type="slidenum">
               <a:rPr lang="es-PE" smtClean="0"/>
-              <a:t>‹Nº›</a:t>
+              <a:t>‹#›</a:t>
             </a:fld>
             <a:endParaRPr lang="es-PE"/>
           </a:p>
@@ -1962,7 +1963,7 @@
           </a:lstStyle>
           <a:p>
             <a:r>
-              <a:rPr lang="es-ES" smtClean="0"/>
+              <a:rPr lang="es-ES"/>
               <a:t>Haga clic para modificar el estilo de título del patrón</a:t>
             </a:r>
             <a:endParaRPr lang="es-PE"/>
@@ -2019,35 +2020,35 @@
           <a:p>
             <a:pPr lvl="0"/>
             <a:r>
-              <a:rPr lang="es-ES" smtClean="0"/>
+              <a:rPr lang="es-ES"/>
               <a:t>Editar el estilo de texto del patrón</a:t>
             </a:r>
           </a:p>
           <a:p>
             <a:pPr lvl="1"/>
             <a:r>
-              <a:rPr lang="es-ES" smtClean="0"/>
+              <a:rPr lang="es-ES"/>
               <a:t>Segundo nivel</a:t>
             </a:r>
           </a:p>
           <a:p>
             <a:pPr lvl="2"/>
             <a:r>
-              <a:rPr lang="es-ES" smtClean="0"/>
+              <a:rPr lang="es-ES"/>
               <a:t>Tercer nivel</a:t>
             </a:r>
           </a:p>
           <a:p>
             <a:pPr lvl="3"/>
             <a:r>
-              <a:rPr lang="es-ES" smtClean="0"/>
+              <a:rPr lang="es-ES"/>
               <a:t>Cuarto nivel</a:t>
             </a:r>
           </a:p>
           <a:p>
             <a:pPr lvl="4"/>
             <a:r>
-              <a:rPr lang="es-ES" smtClean="0"/>
+              <a:rPr lang="es-ES"/>
               <a:t>Quinto nivel</a:t>
             </a:r>
             <a:endParaRPr lang="es-PE"/>
@@ -2113,7 +2114,7 @@
           <a:p>
             <a:pPr lvl="0"/>
             <a:r>
-              <a:rPr lang="es-ES" smtClean="0"/>
+              <a:rPr lang="es-ES"/>
               <a:t>Editar el estilo de texto del patrón</a:t>
             </a:r>
           </a:p>
@@ -2136,7 +2137,7 @@
           <a:p>
             <a:fld id="{689D459E-16D7-4BDF-A863-E680030D26EE}" type="datetimeFigureOut">
               <a:rPr lang="es-PE" smtClean="0"/>
-              <a:t>25/04/2024</a:t>
+              <a:t>21/03/2025</a:t>
             </a:fld>
             <a:endParaRPr lang="es-PE"/>
           </a:p>
@@ -2178,7 +2179,7 @@
           <a:p>
             <a:fld id="{9475C85D-39BC-440C-B6FD-1774F28EEF48}" type="slidenum">
               <a:rPr lang="es-PE" smtClean="0"/>
-              <a:t>‹Nº›</a:t>
+              <a:t>‹#›</a:t>
             </a:fld>
             <a:endParaRPr lang="es-PE"/>
           </a:p>
@@ -2239,7 +2240,7 @@
           </a:lstStyle>
           <a:p>
             <a:r>
-              <a:rPr lang="es-ES" smtClean="0"/>
+              <a:rPr lang="es-ES"/>
               <a:t>Haga clic para modificar el estilo de título del patrón</a:t>
             </a:r>
             <a:endParaRPr lang="es-PE"/>
@@ -2366,7 +2367,7 @@
           <a:p>
             <a:pPr lvl="0"/>
             <a:r>
-              <a:rPr lang="es-ES" smtClean="0"/>
+              <a:rPr lang="es-ES"/>
               <a:t>Editar el estilo de texto del patrón</a:t>
             </a:r>
           </a:p>
@@ -2389,7 +2390,7 @@
           <a:p>
             <a:fld id="{689D459E-16D7-4BDF-A863-E680030D26EE}" type="datetimeFigureOut">
               <a:rPr lang="es-PE" smtClean="0"/>
-              <a:t>25/04/2024</a:t>
+              <a:t>21/03/2025</a:t>
             </a:fld>
             <a:endParaRPr lang="es-PE"/>
           </a:p>
@@ -2431,7 +2432,7 @@
           <a:p>
             <a:fld id="{9475C85D-39BC-440C-B6FD-1774F28EEF48}" type="slidenum">
               <a:rPr lang="es-PE" smtClean="0"/>
-              <a:t>‹Nº›</a:t>
+              <a:t>‹#›</a:t>
             </a:fld>
             <a:endParaRPr lang="es-PE"/>
           </a:p>
@@ -2498,7 +2499,7 @@
           <a:lstStyle/>
           <a:p>
             <a:r>
-              <a:rPr lang="es-ES" smtClean="0"/>
+              <a:rPr lang="es-ES"/>
               <a:t>Haga clic para modificar el estilo de título del patrón</a:t>
             </a:r>
             <a:endParaRPr lang="es-PE"/>
@@ -2532,35 +2533,35 @@
           <a:p>
             <a:pPr lvl="0"/>
             <a:r>
-              <a:rPr lang="es-ES" smtClean="0"/>
+              <a:rPr lang="es-ES"/>
               <a:t>Editar el estilo de texto del patrón</a:t>
             </a:r>
           </a:p>
           <a:p>
             <a:pPr lvl="1"/>
             <a:r>
-              <a:rPr lang="es-ES" smtClean="0"/>
+              <a:rPr lang="es-ES"/>
               <a:t>Segundo nivel</a:t>
             </a:r>
           </a:p>
           <a:p>
             <a:pPr lvl="2"/>
             <a:r>
-              <a:rPr lang="es-ES" smtClean="0"/>
+              <a:rPr lang="es-ES"/>
               <a:t>Tercer nivel</a:t>
             </a:r>
           </a:p>
           <a:p>
             <a:pPr lvl="3"/>
             <a:r>
-              <a:rPr lang="es-ES" smtClean="0"/>
+              <a:rPr lang="es-ES"/>
               <a:t>Cuarto nivel</a:t>
             </a:r>
           </a:p>
           <a:p>
             <a:pPr lvl="4"/>
             <a:r>
-              <a:rPr lang="es-ES" smtClean="0"/>
+              <a:rPr lang="es-ES"/>
               <a:t>Quinto nivel</a:t>
             </a:r>
             <a:endParaRPr lang="es-PE"/>
@@ -2602,7 +2603,7 @@
           <a:p>
             <a:fld id="{689D459E-16D7-4BDF-A863-E680030D26EE}" type="datetimeFigureOut">
               <a:rPr lang="es-PE" smtClean="0"/>
-              <a:t>25/04/2024</a:t>
+              <a:t>21/03/2025</a:t>
             </a:fld>
             <a:endParaRPr lang="es-PE"/>
           </a:p>
@@ -2680,7 +2681,7 @@
           <a:p>
             <a:fld id="{9475C85D-39BC-440C-B6FD-1774F28EEF48}" type="slidenum">
               <a:rPr lang="es-PE" smtClean="0"/>
-              <a:t>‹Nº›</a:t>
+              <a:t>‹#›</a:t>
             </a:fld>
             <a:endParaRPr lang="es-PE"/>
           </a:p>
@@ -3121,8 +3122,8 @@
         </p:nvSpPr>
         <p:spPr>
           <a:xfrm>
-            <a:off x="838200" y="888274"/>
-            <a:ext cx="10515600" cy="5288689"/>
+            <a:off x="838200" y="1306286"/>
+            <a:ext cx="10515600" cy="4870677"/>
           </a:xfrm>
         </p:spPr>
         <p:txBody>
@@ -3133,18 +3134,181 @@
           <a:p>
             <a:r>
               <a:rPr lang="es-PE" dirty="0"/>
+              <a:t>A pesar de que el libro está presentado formalmente como una consideración de ambos sistemas —no hubiera obtenido aprobación de no haber sido así— no hay duda de que el desarrollo de los argumentos copernicanos obtiene y por mucho las preferencias del autor. El personaje de </a:t>
+            </a:r>
+            <a:r>
+              <a:rPr lang="es-PE" dirty="0">
+                <a:solidFill>
+                  <a:srgbClr val="FF0000"/>
+                </a:solidFill>
+              </a:rPr>
+              <a:t>Simplicio</a:t>
+            </a:r>
+            <a:r>
+              <a:rPr lang="es-PE" dirty="0"/>
+              <a:t> claramente se encuentra superado en inteligencia e información por el de </a:t>
+            </a:r>
+            <a:r>
+              <a:rPr lang="es-PE" dirty="0" err="1">
+                <a:solidFill>
+                  <a:srgbClr val="FF0000"/>
+                </a:solidFill>
+              </a:rPr>
+              <a:t>Salviati</a:t>
+            </a:r>
+            <a:r>
+              <a:rPr lang="es-PE" dirty="0"/>
+              <a:t> y esta desventaja se traslada directamente al resultado del debate.</a:t>
+            </a:r>
+          </a:p>
+          <a:p>
+            <a:pPr marL="0" indent="0">
+              <a:buNone/>
+            </a:pPr>
+            <a:endParaRPr lang="es-PE" dirty="0"/>
+          </a:p>
+          <a:p>
+            <a:r>
+              <a:rPr lang="es-PE" dirty="0"/>
+              <a:t>El diálogo no trata los aportes del Sistema </a:t>
+            </a:r>
+            <a:r>
+              <a:rPr lang="es-PE" dirty="0" err="1"/>
+              <a:t>tychónico</a:t>
+            </a:r>
+            <a:r>
+              <a:rPr lang="es-PE" dirty="0"/>
+              <a:t>, que era considerado como el preferido de la Iglesia católica al momento de su publicación. El sistema de </a:t>
+            </a:r>
+            <a:r>
+              <a:rPr lang="es-PE" dirty="0" err="1"/>
+              <a:t>Tycho</a:t>
+            </a:r>
+            <a:r>
+              <a:rPr lang="es-PE" dirty="0"/>
+              <a:t> tiene un tratamiento matemático similar al copernicano, y no había en ese tiempo alguna prueba empírica de su invalidez. Como ilustra su correspondencia personal, Galileo nunca tomó en serio a los desarrollos de </a:t>
+            </a:r>
+            <a:r>
+              <a:rPr lang="es-PE" dirty="0" err="1"/>
+              <a:t>Tycho</a:t>
+            </a:r>
+            <a:r>
+              <a:rPr lang="es-PE" dirty="0"/>
+              <a:t>, descalificándolos como un compromiso inadecuado y poco satisfactorio.</a:t>
+            </a:r>
+          </a:p>
+          <a:p>
+            <a:pPr marL="0" indent="0">
+              <a:buNone/>
+            </a:pPr>
+            <a:endParaRPr lang="es-PE" dirty="0"/>
+          </a:p>
+          <a:p>
+            <a:r>
+              <a:rPr lang="es-PE" dirty="0"/>
+              <a:t>La discusión </a:t>
+            </a:r>
+            <a:r>
+              <a:rPr lang="es-PE" dirty="0">
+                <a:solidFill>
+                  <a:srgbClr val="FF0000"/>
+                </a:solidFill>
+              </a:rPr>
+              <a:t>no se limita a los asuntos astronómicos</a:t>
+            </a:r>
+            <a:r>
+              <a:rPr lang="es-PE" dirty="0"/>
+              <a:t>, sino que </a:t>
+            </a:r>
+            <a:r>
+              <a:rPr lang="es-PE" dirty="0">
+                <a:solidFill>
+                  <a:srgbClr val="FF0000"/>
+                </a:solidFill>
+              </a:rPr>
+              <a:t>se extiende sobre buena parte de la ciencia contemporánea</a:t>
+            </a:r>
+            <a:r>
+              <a:rPr lang="es-PE" dirty="0"/>
+              <a:t>. Se ilustra también lo que Galileo consideraba </a:t>
+            </a:r>
+            <a:r>
+              <a:rPr lang="es-PE" dirty="0">
+                <a:solidFill>
+                  <a:srgbClr val="FF0000"/>
+                </a:solidFill>
+              </a:rPr>
+              <a:t>buena ciencia.</a:t>
+            </a:r>
+            <a:br>
+              <a:rPr lang="es-PE" dirty="0"/>
+            </a:br>
+            <a:endParaRPr lang="es-PE" dirty="0"/>
+          </a:p>
+        </p:txBody>
+      </p:sp>
+    </p:spTree>
+    <p:extLst>
+      <p:ext uri="{BB962C8B-B14F-4D97-AF65-F5344CB8AC3E}">
+        <p14:creationId xmlns:p14="http://schemas.microsoft.com/office/powerpoint/2010/main" val="1668628037"/>
+      </p:ext>
+    </p:extLst>
+  </p:cSld>
+  <p:clrMapOvr>
+    <a:masterClrMapping/>
+  </p:clrMapOvr>
+</p:sld>
+</file>
+
+<file path=ppt/slides/slide11.xml><?xml version="1.0" encoding="utf-8"?>
+<p:sld xmlns:a="http://schemas.openxmlformats.org/drawingml/2006/main" xmlns:r="http://schemas.openxmlformats.org/officeDocument/2006/relationships" xmlns:p="http://schemas.openxmlformats.org/presentationml/2006/main">
+  <p:cSld>
+    <p:spTree>
+      <p:nvGrpSpPr>
+        <p:cNvPr id="1" name=""/>
+        <p:cNvGrpSpPr/>
+        <p:nvPr/>
+      </p:nvGrpSpPr>
+      <p:grpSpPr>
+        <a:xfrm>
+          <a:off x="0" y="0"/>
+          <a:ext cx="0" cy="0"/>
+          <a:chOff x="0" y="0"/>
+          <a:chExt cx="0" cy="0"/>
+        </a:xfrm>
+      </p:grpSpPr>
+      <p:sp>
+        <p:nvSpPr>
+          <p:cNvPr id="3" name="Marcador de contenido 2"/>
+          <p:cNvSpPr>
+            <a:spLocks noGrp="1"/>
+          </p:cNvSpPr>
+          <p:nvPr>
+            <p:ph idx="1"/>
+          </p:nvPr>
+        </p:nvSpPr>
+        <p:spPr>
+          <a:xfrm>
+            <a:off x="838200" y="888274"/>
+            <a:ext cx="10515600" cy="5288689"/>
+          </a:xfrm>
+        </p:spPr>
+        <p:txBody>
+          <a:bodyPr>
+            <a:normAutofit fontScale="77500" lnSpcReduction="20000"/>
+          </a:bodyPr>
+          <a:lstStyle/>
+          <a:p>
+            <a:r>
+              <a:rPr lang="es-PE" dirty="0"/>
               <a:t>El nudo principal de las discusiones de Galileo se puede dividir en tres clases:</a:t>
             </a:r>
           </a:p>
           <a:p>
             <a:pPr lvl="1"/>
             <a:r>
-              <a:rPr lang="es-PE" dirty="0" smtClean="0"/>
-              <a:t>Refutaciones </a:t>
-            </a:r>
-            <a:r>
               <a:rPr lang="es-PE" dirty="0"/>
-              <a:t>a las objeciones interpuestas por los filósofos tradicionales; por ejemplo, el experimento del pensamiento en la nave.</a:t>
+              <a:t>Refutaciones a las objeciones interpuestas por los filósofos tradicionales; por ejemplo, el experimento del pensamiento en la nave.</a:t>
             </a:r>
           </a:p>
           <a:p>
@@ -3176,12 +3340,8 @@
           </a:p>
           <a:p>
             <a:r>
-              <a:rPr lang="es-PE" dirty="0" smtClean="0"/>
-              <a:t>Esta última es </a:t>
-            </a:r>
-            <a:r>
               <a:rPr lang="es-PE" dirty="0"/>
-              <a:t>una línea de pensamiento incorrecta como descripción del efecto de las mareas en el movimiento terrestre, que es un fracaso a la vista de explicaciones posteriores. Pero Galileo estaba orgulloso del argumento y dedicó el cuarto día a su discusión. El grado de invalidez es, como casi todo lo que se relaciona con Galileo, asunto de controversia</a:t>
+              <a:t>Esta última es una línea de pensamiento incorrecta como descripción del efecto de las mareas en el movimiento terrestre, que es un fracaso a la vista de explicaciones posteriores. Pero Galileo estaba orgulloso del argumento y dedicó el cuarto día a su discusión. El grado de invalidez es, como casi todo lo que se relaciona con Galileo, asunto de controversia</a:t>
             </a:r>
           </a:p>
           <a:p>
@@ -3202,7 +3362,7 @@
 </p:sld>
 </file>
 
-<file path=ppt/slides/slide11.xml><?xml version="1.0" encoding="utf-8"?>
+<file path=ppt/slides/slide12.xml><?xml version="1.0" encoding="utf-8"?>
 <p:sld xmlns:a="http://schemas.openxmlformats.org/drawingml/2006/main" xmlns:r="http://schemas.openxmlformats.org/officeDocument/2006/relationships" xmlns:p="http://schemas.openxmlformats.org/presentationml/2006/main">
   <p:cSld>
     <p:spTree>
@@ -3304,7 +3464,7 @@
             <a:lstStyle/>
             <a:p>
               <a:r>
-                <a:rPr lang="es-PE" dirty="0" err="1" smtClean="0">
+                <a:rPr lang="es-PE" dirty="0" err="1">
                   <a:solidFill>
                     <a:schemeClr val="bg1"/>
                   </a:solidFill>
@@ -3410,7 +3570,7 @@
 </p:sld>
 </file>
 
-<file path=ppt/slides/slide12.xml><?xml version="1.0" encoding="utf-8"?>
+<file path=ppt/slides/slide13.xml><?xml version="1.0" encoding="utf-8"?>
 <p:sld xmlns:a="http://schemas.openxmlformats.org/drawingml/2006/main" xmlns:r="http://schemas.openxmlformats.org/officeDocument/2006/relationships" xmlns:p="http://schemas.openxmlformats.org/presentationml/2006/main">
   <p:cSld>
     <p:spTree>
@@ -3512,7 +3672,7 @@
             <a:lstStyle/>
             <a:p>
               <a:r>
-                <a:rPr lang="es-PE" dirty="0" err="1" smtClean="0">
+                <a:rPr lang="es-PE" dirty="0" err="1">
                   <a:solidFill>
                     <a:schemeClr val="bg1"/>
                   </a:solidFill>
@@ -3618,7 +3778,7 @@
 </p:sld>
 </file>
 
-<file path=ppt/slides/slide13.xml><?xml version="1.0" encoding="utf-8"?>
+<file path=ppt/slides/slide14.xml><?xml version="1.0" encoding="utf-8"?>
 <p:sld xmlns:a="http://schemas.openxmlformats.org/drawingml/2006/main" xmlns:r="http://schemas.openxmlformats.org/officeDocument/2006/relationships" xmlns:p="http://schemas.openxmlformats.org/presentationml/2006/main">
   <p:cSld>
     <p:spTree>
@@ -3720,7 +3880,7 @@
             <a:lstStyle/>
             <a:p>
               <a:r>
-                <a:rPr lang="es-PE" dirty="0" err="1" smtClean="0">
+                <a:rPr lang="es-PE" dirty="0" err="1">
                   <a:solidFill>
                     <a:schemeClr val="bg1"/>
                   </a:solidFill>
@@ -3826,7 +3986,7 @@
 </p:sld>
 </file>
 
-<file path=ppt/slides/slide14.xml><?xml version="1.0" encoding="utf-8"?>
+<file path=ppt/slides/slide15.xml><?xml version="1.0" encoding="utf-8"?>
 <p:sld xmlns:a="http://schemas.openxmlformats.org/drawingml/2006/main" xmlns:r="http://schemas.openxmlformats.org/officeDocument/2006/relationships" xmlns:p="http://schemas.openxmlformats.org/presentationml/2006/main">
   <p:cSld>
     <p:spTree>
@@ -3928,7 +4088,7 @@
             <a:lstStyle/>
             <a:p>
               <a:r>
-                <a:rPr lang="es-PE" dirty="0" err="1" smtClean="0">
+                <a:rPr lang="es-PE" dirty="0" err="1">
                   <a:solidFill>
                     <a:schemeClr val="bg1"/>
                   </a:solidFill>
@@ -4034,7 +4194,7 @@
 </p:sld>
 </file>
 
-<file path=ppt/slides/slide15.xml><?xml version="1.0" encoding="utf-8"?>
+<file path=ppt/slides/slide16.xml><?xml version="1.0" encoding="utf-8"?>
 <p:sld xmlns:a="http://schemas.openxmlformats.org/drawingml/2006/main" xmlns:r="http://schemas.openxmlformats.org/officeDocument/2006/relationships" xmlns:p="http://schemas.openxmlformats.org/presentationml/2006/main">
   <p:cSld>
     <p:spTree>
@@ -4136,7 +4296,7 @@
             <a:lstStyle/>
             <a:p>
               <a:r>
-                <a:rPr lang="es-PE" dirty="0" err="1" smtClean="0">
+                <a:rPr lang="es-PE" dirty="0" err="1">
                   <a:solidFill>
                     <a:schemeClr val="bg1"/>
                   </a:solidFill>
@@ -4266,7 +4426,7 @@
 </p:sld>
 </file>
 
-<file path=ppt/slides/slide16.xml><?xml version="1.0" encoding="utf-8"?>
+<file path=ppt/slides/slide17.xml><?xml version="1.0" encoding="utf-8"?>
 <p:sld xmlns:a="http://schemas.openxmlformats.org/drawingml/2006/main" xmlns:r="http://schemas.openxmlformats.org/officeDocument/2006/relationships" xmlns:p="http://schemas.openxmlformats.org/presentationml/2006/main">
   <p:cSld>
     <p:spTree>
@@ -4368,7 +4528,7 @@
             <a:lstStyle/>
             <a:p>
               <a:r>
-                <a:rPr lang="es-PE" dirty="0" err="1" smtClean="0">
+                <a:rPr lang="es-PE" dirty="0" err="1">
                   <a:solidFill>
                     <a:schemeClr val="bg1"/>
                   </a:solidFill>
@@ -4474,7 +4634,7 @@
 </p:sld>
 </file>
 
-<file path=ppt/slides/slide17.xml><?xml version="1.0" encoding="utf-8"?>
+<file path=ppt/slides/slide18.xml><?xml version="1.0" encoding="utf-8"?>
 <p:sld xmlns:a="http://schemas.openxmlformats.org/drawingml/2006/main" xmlns:r="http://schemas.openxmlformats.org/officeDocument/2006/relationships" xmlns:p="http://schemas.openxmlformats.org/presentationml/2006/main">
   <p:cSld>
     <p:spTree>
@@ -4576,7 +4736,7 @@
             <a:lstStyle/>
             <a:p>
               <a:r>
-                <a:rPr lang="es-PE" dirty="0" err="1" smtClean="0">
+                <a:rPr lang="es-PE" dirty="0" err="1">
                   <a:solidFill>
                     <a:schemeClr val="bg1"/>
                   </a:solidFill>
@@ -4682,7 +4842,7 @@
 </p:sld>
 </file>
 
-<file path=ppt/slides/slide18.xml><?xml version="1.0" encoding="utf-8"?>
+<file path=ppt/slides/slide19.xml><?xml version="1.0" encoding="utf-8"?>
 <p:sld xmlns:a="http://schemas.openxmlformats.org/drawingml/2006/main" xmlns:r="http://schemas.openxmlformats.org/officeDocument/2006/relationships" xmlns:p="http://schemas.openxmlformats.org/presentationml/2006/main">
   <p:cSld>
     <p:spTree>
@@ -4784,7 +4944,7 @@
             <a:lstStyle/>
             <a:p>
               <a:r>
-                <a:rPr lang="es-PE" dirty="0" err="1" smtClean="0">
+                <a:rPr lang="es-PE" dirty="0" err="1">
                   <a:solidFill>
                     <a:schemeClr val="bg1"/>
                   </a:solidFill>
@@ -4861,7 +5021,234 @@
 </p:sld>
 </file>
 
-<file path=ppt/slides/slide19.xml><?xml version="1.0" encoding="utf-8"?>
+<file path=ppt/slides/slide2.xml><?xml version="1.0" encoding="utf-8"?>
+<p:sld xmlns:a="http://schemas.openxmlformats.org/drawingml/2006/main" xmlns:r="http://schemas.openxmlformats.org/officeDocument/2006/relationships" xmlns:p="http://schemas.openxmlformats.org/presentationml/2006/main">
+  <p:cSld>
+    <p:spTree>
+      <p:nvGrpSpPr>
+        <p:cNvPr id="1" name=""/>
+        <p:cNvGrpSpPr/>
+        <p:nvPr/>
+      </p:nvGrpSpPr>
+      <p:grpSpPr>
+        <a:xfrm>
+          <a:off x="0" y="0"/>
+          <a:ext cx="0" cy="0"/>
+          <a:chOff x="0" y="0"/>
+          <a:chExt cx="0" cy="0"/>
+        </a:xfrm>
+      </p:grpSpPr>
+      <p:pic>
+        <p:nvPicPr>
+          <p:cNvPr id="4" name="Imagen 3"/>
+          <p:cNvPicPr>
+            <a:picLocks noChangeAspect="1"/>
+          </p:cNvPicPr>
+          <p:nvPr/>
+        </p:nvPicPr>
+        <p:blipFill>
+          <a:blip r:embed="rId2"/>
+          <a:stretch>
+            <a:fillRect/>
+          </a:stretch>
+        </p:blipFill>
+        <p:spPr>
+          <a:xfrm>
+            <a:off x="710972" y="226695"/>
+            <a:ext cx="3834902" cy="5244570"/>
+          </a:xfrm>
+          <a:prstGeom prst="rect">
+            <a:avLst/>
+          </a:prstGeom>
+        </p:spPr>
+      </p:pic>
+      <p:sp>
+        <p:nvSpPr>
+          <p:cNvPr id="5" name="CuadroTexto 4"/>
+          <p:cNvSpPr txBox="1"/>
+          <p:nvPr/>
+        </p:nvSpPr>
+        <p:spPr>
+          <a:xfrm>
+            <a:off x="1201783" y="5839097"/>
+            <a:ext cx="3161211" cy="369332"/>
+          </a:xfrm>
+          <a:prstGeom prst="rect">
+            <a:avLst/>
+          </a:prstGeom>
+          <a:noFill/>
+        </p:spPr>
+        <p:txBody>
+          <a:bodyPr wrap="square" rtlCol="0">
+            <a:spAutoFit/>
+          </a:bodyPr>
+          <a:lstStyle/>
+          <a:p>
+            <a:r>
+              <a:rPr lang="es-PE" dirty="0"/>
+              <a:t>Oscilador armónico</a:t>
+            </a:r>
+          </a:p>
+        </p:txBody>
+      </p:sp>
+      <p:pic>
+        <p:nvPicPr>
+          <p:cNvPr id="6" name="Imagen 5"/>
+          <p:cNvPicPr>
+            <a:picLocks noChangeAspect="1"/>
+          </p:cNvPicPr>
+          <p:nvPr/>
+        </p:nvPicPr>
+        <p:blipFill>
+          <a:blip r:embed="rId3"/>
+          <a:stretch>
+            <a:fillRect/>
+          </a:stretch>
+        </p:blipFill>
+        <p:spPr>
+          <a:xfrm>
+            <a:off x="4957354" y="226695"/>
+            <a:ext cx="3060500" cy="1787435"/>
+          </a:xfrm>
+          <a:prstGeom prst="rect">
+            <a:avLst/>
+          </a:prstGeom>
+        </p:spPr>
+      </p:pic>
+      <p:pic>
+        <p:nvPicPr>
+          <p:cNvPr id="7" name="Imagen 6"/>
+          <p:cNvPicPr>
+            <a:picLocks noChangeAspect="1"/>
+          </p:cNvPicPr>
+          <p:nvPr/>
+        </p:nvPicPr>
+        <p:blipFill>
+          <a:blip r:embed="rId4"/>
+          <a:stretch>
+            <a:fillRect/>
+          </a:stretch>
+        </p:blipFill>
+        <p:spPr>
+          <a:xfrm>
+            <a:off x="5281407" y="2127484"/>
+            <a:ext cx="1971539" cy="2229356"/>
+          </a:xfrm>
+          <a:prstGeom prst="rect">
+            <a:avLst/>
+          </a:prstGeom>
+        </p:spPr>
+      </p:pic>
+      <p:pic>
+        <p:nvPicPr>
+          <p:cNvPr id="8" name="Imagen 7"/>
+          <p:cNvPicPr>
+            <a:picLocks noChangeAspect="1"/>
+          </p:cNvPicPr>
+          <p:nvPr/>
+        </p:nvPicPr>
+        <p:blipFill>
+          <a:blip r:embed="rId5"/>
+          <a:stretch>
+            <a:fillRect/>
+          </a:stretch>
+        </p:blipFill>
+        <p:spPr>
+          <a:xfrm>
+            <a:off x="9244965" y="226695"/>
+            <a:ext cx="1575707" cy="1875842"/>
+          </a:xfrm>
+          <a:prstGeom prst="rect">
+            <a:avLst/>
+          </a:prstGeom>
+        </p:spPr>
+      </p:pic>
+      <p:pic>
+        <p:nvPicPr>
+          <p:cNvPr id="9" name="Imagen 8"/>
+          <p:cNvPicPr>
+            <a:picLocks noChangeAspect="1"/>
+          </p:cNvPicPr>
+          <p:nvPr/>
+        </p:nvPicPr>
+        <p:blipFill>
+          <a:blip r:embed="rId6"/>
+          <a:stretch>
+            <a:fillRect/>
+          </a:stretch>
+        </p:blipFill>
+        <p:spPr>
+          <a:xfrm>
+            <a:off x="8538208" y="2285785"/>
+            <a:ext cx="1968956" cy="2433181"/>
+          </a:xfrm>
+          <a:prstGeom prst="rect">
+            <a:avLst/>
+          </a:prstGeom>
+        </p:spPr>
+      </p:pic>
+      <p:pic>
+        <p:nvPicPr>
+          <p:cNvPr id="10" name="Imagen 9"/>
+          <p:cNvPicPr>
+            <a:picLocks noChangeAspect="1"/>
+          </p:cNvPicPr>
+          <p:nvPr/>
+        </p:nvPicPr>
+        <p:blipFill>
+          <a:blip r:embed="rId7"/>
+          <a:stretch>
+            <a:fillRect/>
+          </a:stretch>
+        </p:blipFill>
+        <p:spPr>
+          <a:xfrm>
+            <a:off x="5168673" y="4470194"/>
+            <a:ext cx="1898333" cy="2243484"/>
+          </a:xfrm>
+          <a:prstGeom prst="rect">
+            <a:avLst/>
+          </a:prstGeom>
+        </p:spPr>
+      </p:pic>
+      <p:pic>
+        <p:nvPicPr>
+          <p:cNvPr id="11" name="Imagen 10"/>
+          <p:cNvPicPr>
+            <a:picLocks noChangeAspect="1"/>
+          </p:cNvPicPr>
+          <p:nvPr/>
+        </p:nvPicPr>
+        <p:blipFill>
+          <a:blip r:embed="rId8"/>
+          <a:stretch>
+            <a:fillRect/>
+          </a:stretch>
+        </p:blipFill>
+        <p:spPr>
+          <a:xfrm>
+            <a:off x="8017854" y="4931912"/>
+            <a:ext cx="3030718" cy="1663199"/>
+          </a:xfrm>
+          <a:prstGeom prst="rect">
+            <a:avLst/>
+          </a:prstGeom>
+        </p:spPr>
+      </p:pic>
+    </p:spTree>
+    <p:extLst>
+      <p:ext uri="{BB962C8B-B14F-4D97-AF65-F5344CB8AC3E}">
+        <p14:creationId xmlns:p14="http://schemas.microsoft.com/office/powerpoint/2010/main" val="3344295099"/>
+      </p:ext>
+    </p:extLst>
+  </p:cSld>
+  <p:clrMapOvr>
+    <a:masterClrMapping/>
+  </p:clrMapOvr>
+</p:sld>
+</file>
+
+<file path=ppt/slides/slide20.xml><?xml version="1.0" encoding="utf-8"?>
 <p:sld xmlns:a="http://schemas.openxmlformats.org/drawingml/2006/main" xmlns:r="http://schemas.openxmlformats.org/officeDocument/2006/relationships" xmlns:p="http://schemas.openxmlformats.org/presentationml/2006/main">
   <p:cSld>
     <p:spTree>
@@ -4963,7 +5350,7 @@
             <a:lstStyle/>
             <a:p>
               <a:r>
-                <a:rPr lang="es-PE" dirty="0" err="1" smtClean="0">
+                <a:rPr lang="es-PE" dirty="0" err="1">
                   <a:solidFill>
                     <a:schemeClr val="bg1"/>
                   </a:solidFill>
@@ -5040,235 +5427,7 @@
 </p:sld>
 </file>
 
-<file path=ppt/slides/slide2.xml><?xml version="1.0" encoding="utf-8"?>
-<p:sld xmlns:a="http://schemas.openxmlformats.org/drawingml/2006/main" xmlns:r="http://schemas.openxmlformats.org/officeDocument/2006/relationships" xmlns:p="http://schemas.openxmlformats.org/presentationml/2006/main">
-  <p:cSld>
-    <p:spTree>
-      <p:nvGrpSpPr>
-        <p:cNvPr id="1" name=""/>
-        <p:cNvGrpSpPr/>
-        <p:nvPr/>
-      </p:nvGrpSpPr>
-      <p:grpSpPr>
-        <a:xfrm>
-          <a:off x="0" y="0"/>
-          <a:ext cx="0" cy="0"/>
-          <a:chOff x="0" y="0"/>
-          <a:chExt cx="0" cy="0"/>
-        </a:xfrm>
-      </p:grpSpPr>
-      <p:pic>
-        <p:nvPicPr>
-          <p:cNvPr id="4" name="Imagen 3"/>
-          <p:cNvPicPr>
-            <a:picLocks noChangeAspect="1"/>
-          </p:cNvPicPr>
-          <p:nvPr/>
-        </p:nvPicPr>
-        <p:blipFill>
-          <a:blip r:embed="rId2"/>
-          <a:stretch>
-            <a:fillRect/>
-          </a:stretch>
-        </p:blipFill>
-        <p:spPr>
-          <a:xfrm>
-            <a:off x="710972" y="226695"/>
-            <a:ext cx="3834902" cy="5244570"/>
-          </a:xfrm>
-          <a:prstGeom prst="rect">
-            <a:avLst/>
-          </a:prstGeom>
-        </p:spPr>
-      </p:pic>
-      <p:sp>
-        <p:nvSpPr>
-          <p:cNvPr id="5" name="CuadroTexto 4"/>
-          <p:cNvSpPr txBox="1"/>
-          <p:nvPr/>
-        </p:nvSpPr>
-        <p:spPr>
-          <a:xfrm>
-            <a:off x="1201783" y="5839097"/>
-            <a:ext cx="3161211" cy="369332"/>
-          </a:xfrm>
-          <a:prstGeom prst="rect">
-            <a:avLst/>
-          </a:prstGeom>
-          <a:noFill/>
-        </p:spPr>
-        <p:txBody>
-          <a:bodyPr wrap="square" rtlCol="0">
-            <a:spAutoFit/>
-          </a:bodyPr>
-          <a:lstStyle/>
-          <a:p>
-            <a:r>
-              <a:rPr lang="es-PE" dirty="0" smtClean="0"/>
-              <a:t>Oscilador armónico</a:t>
-            </a:r>
-            <a:endParaRPr lang="es-PE" dirty="0"/>
-          </a:p>
-        </p:txBody>
-      </p:sp>
-      <p:pic>
-        <p:nvPicPr>
-          <p:cNvPr id="6" name="Imagen 5"/>
-          <p:cNvPicPr>
-            <a:picLocks noChangeAspect="1"/>
-          </p:cNvPicPr>
-          <p:nvPr/>
-        </p:nvPicPr>
-        <p:blipFill>
-          <a:blip r:embed="rId3"/>
-          <a:stretch>
-            <a:fillRect/>
-          </a:stretch>
-        </p:blipFill>
-        <p:spPr>
-          <a:xfrm>
-            <a:off x="4957354" y="226695"/>
-            <a:ext cx="3060500" cy="1787435"/>
-          </a:xfrm>
-          <a:prstGeom prst="rect">
-            <a:avLst/>
-          </a:prstGeom>
-        </p:spPr>
-      </p:pic>
-      <p:pic>
-        <p:nvPicPr>
-          <p:cNvPr id="7" name="Imagen 6"/>
-          <p:cNvPicPr>
-            <a:picLocks noChangeAspect="1"/>
-          </p:cNvPicPr>
-          <p:nvPr/>
-        </p:nvPicPr>
-        <p:blipFill>
-          <a:blip r:embed="rId4"/>
-          <a:stretch>
-            <a:fillRect/>
-          </a:stretch>
-        </p:blipFill>
-        <p:spPr>
-          <a:xfrm>
-            <a:off x="5281407" y="2127484"/>
-            <a:ext cx="1971539" cy="2229356"/>
-          </a:xfrm>
-          <a:prstGeom prst="rect">
-            <a:avLst/>
-          </a:prstGeom>
-        </p:spPr>
-      </p:pic>
-      <p:pic>
-        <p:nvPicPr>
-          <p:cNvPr id="8" name="Imagen 7"/>
-          <p:cNvPicPr>
-            <a:picLocks noChangeAspect="1"/>
-          </p:cNvPicPr>
-          <p:nvPr/>
-        </p:nvPicPr>
-        <p:blipFill>
-          <a:blip r:embed="rId5"/>
-          <a:stretch>
-            <a:fillRect/>
-          </a:stretch>
-        </p:blipFill>
-        <p:spPr>
-          <a:xfrm>
-            <a:off x="9244965" y="226695"/>
-            <a:ext cx="1575707" cy="1875842"/>
-          </a:xfrm>
-          <a:prstGeom prst="rect">
-            <a:avLst/>
-          </a:prstGeom>
-        </p:spPr>
-      </p:pic>
-      <p:pic>
-        <p:nvPicPr>
-          <p:cNvPr id="9" name="Imagen 8"/>
-          <p:cNvPicPr>
-            <a:picLocks noChangeAspect="1"/>
-          </p:cNvPicPr>
-          <p:nvPr/>
-        </p:nvPicPr>
-        <p:blipFill>
-          <a:blip r:embed="rId6"/>
-          <a:stretch>
-            <a:fillRect/>
-          </a:stretch>
-        </p:blipFill>
-        <p:spPr>
-          <a:xfrm>
-            <a:off x="8538208" y="2285785"/>
-            <a:ext cx="1968956" cy="2433181"/>
-          </a:xfrm>
-          <a:prstGeom prst="rect">
-            <a:avLst/>
-          </a:prstGeom>
-        </p:spPr>
-      </p:pic>
-      <p:pic>
-        <p:nvPicPr>
-          <p:cNvPr id="10" name="Imagen 9"/>
-          <p:cNvPicPr>
-            <a:picLocks noChangeAspect="1"/>
-          </p:cNvPicPr>
-          <p:nvPr/>
-        </p:nvPicPr>
-        <p:blipFill>
-          <a:blip r:embed="rId7"/>
-          <a:stretch>
-            <a:fillRect/>
-          </a:stretch>
-        </p:blipFill>
-        <p:spPr>
-          <a:xfrm>
-            <a:off x="5168673" y="4470194"/>
-            <a:ext cx="1898333" cy="2243484"/>
-          </a:xfrm>
-          <a:prstGeom prst="rect">
-            <a:avLst/>
-          </a:prstGeom>
-        </p:spPr>
-      </p:pic>
-      <p:pic>
-        <p:nvPicPr>
-          <p:cNvPr id="11" name="Imagen 10"/>
-          <p:cNvPicPr>
-            <a:picLocks noChangeAspect="1"/>
-          </p:cNvPicPr>
-          <p:nvPr/>
-        </p:nvPicPr>
-        <p:blipFill>
-          <a:blip r:embed="rId8"/>
-          <a:stretch>
-            <a:fillRect/>
-          </a:stretch>
-        </p:blipFill>
-        <p:spPr>
-          <a:xfrm>
-            <a:off x="8017854" y="4931912"/>
-            <a:ext cx="3030718" cy="1663199"/>
-          </a:xfrm>
-          <a:prstGeom prst="rect">
-            <a:avLst/>
-          </a:prstGeom>
-        </p:spPr>
-      </p:pic>
-    </p:spTree>
-    <p:extLst>
-      <p:ext uri="{BB962C8B-B14F-4D97-AF65-F5344CB8AC3E}">
-        <p14:creationId xmlns:p14="http://schemas.microsoft.com/office/powerpoint/2010/main" val="3344295099"/>
-      </p:ext>
-    </p:extLst>
-  </p:cSld>
-  <p:clrMapOvr>
-    <a:masterClrMapping/>
-  </p:clrMapOvr>
-</p:sld>
-</file>
-
-<file path=ppt/slides/slide20.xml><?xml version="1.0" encoding="utf-8"?>
+<file path=ppt/slides/slide21.xml><?xml version="1.0" encoding="utf-8"?>
 <p:sld xmlns:a="http://schemas.openxmlformats.org/drawingml/2006/main" xmlns:r="http://schemas.openxmlformats.org/officeDocument/2006/relationships" xmlns:p="http://schemas.openxmlformats.org/presentationml/2006/main">
   <p:cSld>
     <p:spTree>
@@ -5370,7 +5529,7 @@
             <a:lstStyle/>
             <a:p>
               <a:r>
-                <a:rPr lang="es-PE" dirty="0" err="1" smtClean="0">
+                <a:rPr lang="es-PE" dirty="0" err="1">
                   <a:solidFill>
                     <a:schemeClr val="bg1"/>
                   </a:solidFill>
@@ -5495,7 +5654,7 @@
 </p:sld>
 </file>
 
-<file path=ppt/slides/slide21.xml><?xml version="1.0" encoding="utf-8"?>
+<file path=ppt/slides/slide22.xml><?xml version="1.0" encoding="utf-8"?>
 <p:sld xmlns:a="http://schemas.openxmlformats.org/drawingml/2006/main" xmlns:r="http://schemas.openxmlformats.org/officeDocument/2006/relationships" xmlns:p="http://schemas.openxmlformats.org/presentationml/2006/main">
   <p:cSld>
     <p:spTree>
@@ -5693,7 +5852,7 @@
 </p:sld>
 </file>
 
-<file path=ppt/slides/slide22.xml><?xml version="1.0" encoding="utf-8"?>
+<file path=ppt/slides/slide23.xml><?xml version="1.0" encoding="utf-8"?>
 <p:sld xmlns:a="http://schemas.openxmlformats.org/drawingml/2006/main" xmlns:r="http://schemas.openxmlformats.org/officeDocument/2006/relationships" xmlns:p="http://schemas.openxmlformats.org/presentationml/2006/main">
   <p:cSld>
     <p:spTree>
@@ -5795,7 +5954,7 @@
             <a:lstStyle/>
             <a:p>
               <a:r>
-                <a:rPr lang="es-PE" dirty="0" err="1" smtClean="0">
+                <a:rPr lang="es-PE" dirty="0" err="1">
                   <a:solidFill>
                     <a:schemeClr val="bg1"/>
                   </a:solidFill>
@@ -5901,7 +6060,7 @@
 </p:sld>
 </file>
 
-<file path=ppt/slides/slide23.xml><?xml version="1.0" encoding="utf-8"?>
+<file path=ppt/slides/slide24.xml><?xml version="1.0" encoding="utf-8"?>
 <p:sld xmlns:a="http://schemas.openxmlformats.org/drawingml/2006/main" xmlns:r="http://schemas.openxmlformats.org/officeDocument/2006/relationships" xmlns:p="http://schemas.openxmlformats.org/presentationml/2006/main">
   <p:cSld>
     <p:spTree>
@@ -6003,7 +6162,7 @@
             <a:lstStyle/>
             <a:p>
               <a:r>
-                <a:rPr lang="es-PE" dirty="0" err="1" smtClean="0">
+                <a:rPr lang="es-PE" dirty="0" err="1">
                   <a:solidFill>
                     <a:schemeClr val="bg1"/>
                   </a:solidFill>
@@ -6157,7 +6316,7 @@
 </p:sld>
 </file>
 
-<file path=ppt/slides/slide24.xml><?xml version="1.0" encoding="utf-8"?>
+<file path=ppt/slides/slide25.xml><?xml version="1.0" encoding="utf-8"?>
 <p:sld xmlns:a="http://schemas.openxmlformats.org/drawingml/2006/main" xmlns:r="http://schemas.openxmlformats.org/officeDocument/2006/relationships" xmlns:p="http://schemas.openxmlformats.org/presentationml/2006/main">
   <p:cSld>
     <p:spTree>
@@ -6235,7 +6394,7 @@
             <a:lstStyle/>
             <a:p>
               <a:r>
-                <a:rPr lang="es-PE" dirty="0" err="1" smtClean="0">
+                <a:rPr lang="es-PE" dirty="0" err="1">
                   <a:solidFill>
                     <a:schemeClr val="bg1"/>
                   </a:solidFill>
@@ -6437,7 +6596,7 @@
 </p:sld>
 </file>
 
-<file path=ppt/slides/slide25.xml><?xml version="1.0" encoding="utf-8"?>
+<file path=ppt/slides/slide26.xml><?xml version="1.0" encoding="utf-8"?>
 <p:sld xmlns:a="http://schemas.openxmlformats.org/drawingml/2006/main" xmlns:r="http://schemas.openxmlformats.org/officeDocument/2006/relationships" xmlns:p="http://schemas.openxmlformats.org/presentationml/2006/main">
   <p:cSld>
     <p:spTree>
@@ -6563,18 +6722,13 @@
             <a:lstStyle/>
             <a:p>
               <a:r>
-                <a:rPr lang="es-PE" dirty="0" smtClean="0">
+                <a:rPr lang="es-PE" dirty="0">
                   <a:solidFill>
                     <a:schemeClr val="bg1"/>
                   </a:solidFill>
                 </a:rPr>
                 <a:t>Simplicio</a:t>
               </a:r>
-              <a:endParaRPr lang="es-PE" dirty="0">
-                <a:solidFill>
-                  <a:schemeClr val="bg1"/>
-                </a:solidFill>
-              </a:endParaRPr>
             </a:p>
           </p:txBody>
         </p:sp>
@@ -6592,7 +6746,7 @@
 </p:sld>
 </file>
 
-<file path=ppt/slides/slide26.xml><?xml version="1.0" encoding="utf-8"?>
+<file path=ppt/slides/slide27.xml><?xml version="1.0" encoding="utf-8"?>
 <p:sld xmlns:a="http://schemas.openxmlformats.org/drawingml/2006/main" xmlns:r="http://schemas.openxmlformats.org/officeDocument/2006/relationships" xmlns:p="http://schemas.openxmlformats.org/presentationml/2006/main">
   <p:cSld>
     <p:spTree>
@@ -6694,7 +6848,7 @@
             <a:lstStyle/>
             <a:p>
               <a:r>
-                <a:rPr lang="es-PE" dirty="0" err="1" smtClean="0">
+                <a:rPr lang="es-PE" dirty="0" err="1">
                   <a:solidFill>
                     <a:schemeClr val="bg1"/>
                   </a:solidFill>
@@ -6800,7 +6954,7 @@
 </p:sld>
 </file>
 
-<file path=ppt/slides/slide27.xml><?xml version="1.0" encoding="utf-8"?>
+<file path=ppt/slides/slide28.xml><?xml version="1.0" encoding="utf-8"?>
 <p:sld xmlns:a="http://schemas.openxmlformats.org/drawingml/2006/main" xmlns:r="http://schemas.openxmlformats.org/officeDocument/2006/relationships" xmlns:p="http://schemas.openxmlformats.org/presentationml/2006/main">
   <p:cSld>
     <p:spTree>
@@ -6902,7 +7056,7 @@
             <a:lstStyle/>
             <a:p>
               <a:r>
-                <a:rPr lang="es-PE" dirty="0" err="1" smtClean="0">
+                <a:rPr lang="es-PE" dirty="0" err="1">
                   <a:solidFill>
                     <a:schemeClr val="bg1"/>
                   </a:solidFill>
@@ -7003,7 +7157,7 @@
 </p:sld>
 </file>
 
-<file path=ppt/slides/slide28.xml><?xml version="1.0" encoding="utf-8"?>
+<file path=ppt/slides/slide29.xml><?xml version="1.0" encoding="utf-8"?>
 <p:sld xmlns:a="http://schemas.openxmlformats.org/drawingml/2006/main" xmlns:r="http://schemas.openxmlformats.org/officeDocument/2006/relationships" xmlns:p="http://schemas.openxmlformats.org/presentationml/2006/main">
   <p:cSld>
     <p:spTree>
@@ -7105,7 +7259,7 @@
             <a:lstStyle/>
             <a:p>
               <a:r>
-                <a:rPr lang="es-PE" dirty="0" err="1" smtClean="0">
+                <a:rPr lang="es-PE" dirty="0" err="1">
                   <a:solidFill>
                     <a:schemeClr val="bg1"/>
                   </a:solidFill>
@@ -7206,7 +7360,157 @@
 </p:sld>
 </file>
 
-<file path=ppt/slides/slide29.xml><?xml version="1.0" encoding="utf-8"?>
+<file path=ppt/slides/slide3.xml><?xml version="1.0" encoding="utf-8"?>
+<p:sld xmlns:a="http://schemas.openxmlformats.org/drawingml/2006/main" xmlns:r="http://schemas.openxmlformats.org/officeDocument/2006/relationships" xmlns:p="http://schemas.openxmlformats.org/presentationml/2006/main">
+  <p:cSld>
+    <p:spTree>
+      <p:nvGrpSpPr>
+        <p:cNvPr id="1" name=""/>
+        <p:cNvGrpSpPr/>
+        <p:nvPr/>
+      </p:nvGrpSpPr>
+      <p:grpSpPr>
+        <a:xfrm>
+          <a:off x="0" y="0"/>
+          <a:ext cx="0" cy="0"/>
+          <a:chOff x="0" y="0"/>
+          <a:chExt cx="0" cy="0"/>
+        </a:xfrm>
+      </p:grpSpPr>
+      <p:sp>
+        <p:nvSpPr>
+          <p:cNvPr id="3" name="Marcador de contenido 2"/>
+          <p:cNvSpPr>
+            <a:spLocks noGrp="1"/>
+          </p:cNvSpPr>
+          <p:nvPr>
+            <p:ph idx="1"/>
+          </p:nvPr>
+        </p:nvSpPr>
+        <p:spPr>
+          <a:xfrm>
+            <a:off x="838200" y="744583"/>
+            <a:ext cx="10515600" cy="5432380"/>
+          </a:xfrm>
+        </p:spPr>
+        <p:txBody>
+          <a:bodyPr>
+            <a:normAutofit fontScale="92500" lnSpcReduction="10000"/>
+          </a:bodyPr>
+          <a:lstStyle/>
+          <a:p>
+            <a:r>
+              <a:rPr lang="es-PE" dirty="0"/>
+              <a:t>De joven: músico y matemático; muchos instrumentos, en especial el </a:t>
+            </a:r>
+            <a:r>
+              <a:rPr lang="es-PE" dirty="0" err="1"/>
+              <a:t>laud</a:t>
+            </a:r>
+            <a:endParaRPr lang="es-PE" dirty="0"/>
+          </a:p>
+          <a:p>
+            <a:r>
+              <a:rPr lang="es-PE" dirty="0"/>
+              <a:t>Euclides y Demócrito</a:t>
+            </a:r>
+          </a:p>
+          <a:p>
+            <a:r>
+              <a:rPr lang="es-PE" dirty="0"/>
+              <a:t>Una de las últimas obras escritas</a:t>
+            </a:r>
+          </a:p>
+          <a:p>
+            <a:r>
+              <a:rPr lang="es-PE" dirty="0"/>
+              <a:t>La música de las esferas</a:t>
+            </a:r>
+          </a:p>
+          <a:p>
+            <a:r>
+              <a:rPr lang="es-PE" dirty="0"/>
+              <a:t>Inventos: </a:t>
+            </a:r>
+            <a:r>
+              <a:rPr lang="es-PE" dirty="0" err="1"/>
+              <a:t>pulsómetro</a:t>
+            </a:r>
+            <a:r>
+              <a:rPr lang="es-PE" dirty="0"/>
+              <a:t>, compases, mejora de telescopio</a:t>
+            </a:r>
+          </a:p>
+          <a:p>
+            <a:r>
+              <a:rPr lang="es-PE" dirty="0"/>
+              <a:t>Descubre estrellas, lunas, que el universo es más grande de lo pensado</a:t>
+            </a:r>
+          </a:p>
+          <a:p>
+            <a:r>
+              <a:rPr lang="es-PE" dirty="0" err="1"/>
+              <a:t>Ptolemeo</a:t>
+            </a:r>
+            <a:r>
+              <a:rPr lang="es-PE" dirty="0"/>
+              <a:t> vs Copérnico (interés de últimos años)</a:t>
+            </a:r>
+          </a:p>
+          <a:p>
+            <a:r>
+              <a:rPr lang="es-PE" dirty="0"/>
+              <a:t>Péndulo sobre la torre de Pisa (medición objetiva del tiempo)</a:t>
+            </a:r>
+          </a:p>
+          <a:p>
+            <a:r>
+              <a:rPr lang="es-PE" dirty="0"/>
+              <a:t>Dos esferas de dos masas desde lo alto: vs Aristóteles</a:t>
+            </a:r>
+          </a:p>
+          <a:p>
+            <a:r>
+              <a:rPr lang="es-PE" dirty="0"/>
+              <a:t>Observaciones a geografía lunar: vs Aristóteles</a:t>
+            </a:r>
+          </a:p>
+          <a:p>
+            <a:r>
+              <a:rPr lang="es-PE" dirty="0"/>
+              <a:t>Vs </a:t>
+            </a:r>
+            <a:r>
+              <a:rPr lang="es-PE" dirty="0" err="1"/>
+              <a:t>Dogmatimsmo</a:t>
+            </a:r>
+            <a:r>
+              <a:rPr lang="es-PE" dirty="0"/>
+              <a:t> y pro espíritu aristotélico: vs aristotélicos</a:t>
+            </a:r>
+          </a:p>
+          <a:p>
+            <a:r>
+              <a:rPr lang="es-PE" dirty="0"/>
+              <a:t>Enemigos: vs máquina de un Medici + vs Papa que inspira a “Simplicio”</a:t>
+            </a:r>
+          </a:p>
+        </p:txBody>
+      </p:sp>
+    </p:spTree>
+    <p:extLst>
+      <p:ext uri="{BB962C8B-B14F-4D97-AF65-F5344CB8AC3E}">
+        <p14:creationId xmlns:p14="http://schemas.microsoft.com/office/powerpoint/2010/main" val="2411278956"/>
+      </p:ext>
+    </p:extLst>
+  </p:cSld>
+  <p:clrMapOvr>
+    <a:masterClrMapping/>
+  </p:clrMapOvr>
+</p:sld>
+</file>
+
+<file path=ppt/slides/slide30.xml><?xml version="1.0" encoding="utf-8"?>
 <p:sld xmlns:a="http://schemas.openxmlformats.org/drawingml/2006/main" xmlns:r="http://schemas.openxmlformats.org/officeDocument/2006/relationships" xmlns:p="http://schemas.openxmlformats.org/presentationml/2006/main">
   <p:cSld>
     <p:spTree>
@@ -7308,7 +7612,7 @@
             <a:lstStyle/>
             <a:p>
               <a:r>
-                <a:rPr lang="es-PE" dirty="0" err="1" smtClean="0">
+                <a:rPr lang="es-PE" dirty="0" err="1">
                   <a:solidFill>
                     <a:schemeClr val="bg1"/>
                   </a:solidFill>
@@ -7409,158 +7713,7 @@
 </p:sld>
 </file>
 
-<file path=ppt/slides/slide3.xml><?xml version="1.0" encoding="utf-8"?>
-<p:sld xmlns:a="http://schemas.openxmlformats.org/drawingml/2006/main" xmlns:r="http://schemas.openxmlformats.org/officeDocument/2006/relationships" xmlns:p="http://schemas.openxmlformats.org/presentationml/2006/main">
-  <p:cSld>
-    <p:spTree>
-      <p:nvGrpSpPr>
-        <p:cNvPr id="1" name=""/>
-        <p:cNvGrpSpPr/>
-        <p:nvPr/>
-      </p:nvGrpSpPr>
-      <p:grpSpPr>
-        <a:xfrm>
-          <a:off x="0" y="0"/>
-          <a:ext cx="0" cy="0"/>
-          <a:chOff x="0" y="0"/>
-          <a:chExt cx="0" cy="0"/>
-        </a:xfrm>
-      </p:grpSpPr>
-      <p:sp>
-        <p:nvSpPr>
-          <p:cNvPr id="3" name="Marcador de contenido 2"/>
-          <p:cNvSpPr>
-            <a:spLocks noGrp="1"/>
-          </p:cNvSpPr>
-          <p:nvPr>
-            <p:ph idx="1"/>
-          </p:nvPr>
-        </p:nvSpPr>
-        <p:spPr>
-          <a:xfrm>
-            <a:off x="838200" y="744583"/>
-            <a:ext cx="10515600" cy="5432380"/>
-          </a:xfrm>
-        </p:spPr>
-        <p:txBody>
-          <a:bodyPr>
-            <a:normAutofit fontScale="92500" lnSpcReduction="10000"/>
-          </a:bodyPr>
-          <a:lstStyle/>
-          <a:p>
-            <a:r>
-              <a:rPr lang="es-PE" dirty="0" smtClean="0"/>
-              <a:t>De joven: músico y matemático; muchos instrumentos, en especial el </a:t>
-            </a:r>
-            <a:r>
-              <a:rPr lang="es-PE" dirty="0" err="1" smtClean="0"/>
-              <a:t>laud</a:t>
-            </a:r>
-            <a:endParaRPr lang="es-PE" dirty="0" smtClean="0"/>
-          </a:p>
-          <a:p>
-            <a:r>
-              <a:rPr lang="es-PE" dirty="0" smtClean="0"/>
-              <a:t>Euclides y Demócrito</a:t>
-            </a:r>
-          </a:p>
-          <a:p>
-            <a:r>
-              <a:rPr lang="es-PE" dirty="0" smtClean="0"/>
-              <a:t>Una de las últimas obras escritas</a:t>
-            </a:r>
-          </a:p>
-          <a:p>
-            <a:r>
-              <a:rPr lang="es-PE" dirty="0" smtClean="0"/>
-              <a:t>La música de las esferas</a:t>
-            </a:r>
-          </a:p>
-          <a:p>
-            <a:r>
-              <a:rPr lang="es-PE" dirty="0" smtClean="0"/>
-              <a:t>Inventos: </a:t>
-            </a:r>
-            <a:r>
-              <a:rPr lang="es-PE" dirty="0" err="1" smtClean="0"/>
-              <a:t>pulsómetro</a:t>
-            </a:r>
-            <a:r>
-              <a:rPr lang="es-PE" dirty="0" smtClean="0"/>
-              <a:t>, compases, mejora de telescopio</a:t>
-            </a:r>
-          </a:p>
-          <a:p>
-            <a:r>
-              <a:rPr lang="es-PE" dirty="0" smtClean="0"/>
-              <a:t>Descubre estrellas, lunas, que el universo es más grande de lo pensado</a:t>
-            </a:r>
-          </a:p>
-          <a:p>
-            <a:r>
-              <a:rPr lang="es-PE" dirty="0" err="1" smtClean="0"/>
-              <a:t>Ptolemeo</a:t>
-            </a:r>
-            <a:r>
-              <a:rPr lang="es-PE" dirty="0" smtClean="0"/>
-              <a:t> vs Copérnico (interés de últimos años)</a:t>
-            </a:r>
-          </a:p>
-          <a:p>
-            <a:r>
-              <a:rPr lang="es-PE" dirty="0" smtClean="0"/>
-              <a:t>Péndulo sobre la torre de Pisa (medición objetiva del tiempo)</a:t>
-            </a:r>
-          </a:p>
-          <a:p>
-            <a:r>
-              <a:rPr lang="es-PE" dirty="0" smtClean="0"/>
-              <a:t>Dos esferas de dos masas desde lo alto: vs Aristóteles</a:t>
-            </a:r>
-          </a:p>
-          <a:p>
-            <a:r>
-              <a:rPr lang="es-PE" dirty="0" smtClean="0"/>
-              <a:t>Observaciones a geografía lunar: vs Aristóteles</a:t>
-            </a:r>
-          </a:p>
-          <a:p>
-            <a:r>
-              <a:rPr lang="es-PE" dirty="0" smtClean="0"/>
-              <a:t>Vs </a:t>
-            </a:r>
-            <a:r>
-              <a:rPr lang="es-PE" dirty="0" err="1" smtClean="0"/>
-              <a:t>Dogmatimsmo</a:t>
-            </a:r>
-            <a:r>
-              <a:rPr lang="es-PE" dirty="0" smtClean="0"/>
-              <a:t> y pro espíritu aristotélico: vs aristotélicos</a:t>
-            </a:r>
-          </a:p>
-          <a:p>
-            <a:r>
-              <a:rPr lang="es-PE" dirty="0" smtClean="0"/>
-              <a:t>Enemigos: vs máquina de un Medici + vs Papa que inspira a “Simplicio”</a:t>
-            </a:r>
-            <a:endParaRPr lang="es-PE" dirty="0"/>
-          </a:p>
-        </p:txBody>
-      </p:sp>
-    </p:spTree>
-    <p:extLst>
-      <p:ext uri="{BB962C8B-B14F-4D97-AF65-F5344CB8AC3E}">
-        <p14:creationId xmlns:p14="http://schemas.microsoft.com/office/powerpoint/2010/main" val="2411278956"/>
-      </p:ext>
-    </p:extLst>
-  </p:cSld>
-  <p:clrMapOvr>
-    <a:masterClrMapping/>
-  </p:clrMapOvr>
-</p:sld>
-</file>
-
-<file path=ppt/slides/slide30.xml><?xml version="1.0" encoding="utf-8"?>
+<file path=ppt/slides/slide31.xml><?xml version="1.0" encoding="utf-8"?>
 <p:sld xmlns:a="http://schemas.openxmlformats.org/drawingml/2006/main" xmlns:r="http://schemas.openxmlformats.org/officeDocument/2006/relationships" xmlns:p="http://schemas.openxmlformats.org/presentationml/2006/main">
   <p:cSld>
     <p:spTree>
@@ -7662,7 +7815,7 @@
             <a:lstStyle/>
             <a:p>
               <a:r>
-                <a:rPr lang="es-PE" dirty="0" err="1" smtClean="0">
+                <a:rPr lang="es-PE" dirty="0" err="1">
                   <a:solidFill>
                     <a:schemeClr val="bg1"/>
                   </a:solidFill>
@@ -7763,7 +7916,7 @@
 </p:sld>
 </file>
 
-<file path=ppt/slides/slide31.xml><?xml version="1.0" encoding="utf-8"?>
+<file path=ppt/slides/slide32.xml><?xml version="1.0" encoding="utf-8"?>
 <p:sld xmlns:a="http://schemas.openxmlformats.org/drawingml/2006/main" xmlns:r="http://schemas.openxmlformats.org/officeDocument/2006/relationships" xmlns:p="http://schemas.openxmlformats.org/presentationml/2006/main">
   <p:cSld>
     <p:spTree>
@@ -7865,7 +8018,7 @@
             <a:lstStyle/>
             <a:p>
               <a:r>
-                <a:rPr lang="es-PE" dirty="0" err="1" smtClean="0">
+                <a:rPr lang="es-PE" dirty="0" err="1">
                   <a:solidFill>
                     <a:schemeClr val="bg1"/>
                   </a:solidFill>
@@ -7942,7 +8095,7 @@
 </p:sld>
 </file>
 
-<file path=ppt/slides/slide32.xml><?xml version="1.0" encoding="utf-8"?>
+<file path=ppt/slides/slide33.xml><?xml version="1.0" encoding="utf-8"?>
 <p:sld xmlns:a="http://schemas.openxmlformats.org/drawingml/2006/main" xmlns:r="http://schemas.openxmlformats.org/officeDocument/2006/relationships" xmlns:p="http://schemas.openxmlformats.org/presentationml/2006/main">
   <p:cSld>
     <p:spTree>
@@ -8044,7 +8197,7 @@
             <a:lstStyle/>
             <a:p>
               <a:r>
-                <a:rPr lang="es-PE" dirty="0" err="1" smtClean="0">
+                <a:rPr lang="es-PE" dirty="0" err="1">
                   <a:solidFill>
                     <a:schemeClr val="bg1"/>
                   </a:solidFill>
@@ -8121,7 +8274,7 @@
 </p:sld>
 </file>
 
-<file path=ppt/slides/slide33.xml><?xml version="1.0" encoding="utf-8"?>
+<file path=ppt/slides/slide34.xml><?xml version="1.0" encoding="utf-8"?>
 <p:sld xmlns:a="http://schemas.openxmlformats.org/drawingml/2006/main" xmlns:r="http://schemas.openxmlformats.org/officeDocument/2006/relationships" xmlns:p="http://schemas.openxmlformats.org/presentationml/2006/main">
   <p:cSld>
     <p:spTree>
@@ -8223,7 +8376,7 @@
             <a:lstStyle/>
             <a:p>
               <a:r>
-                <a:rPr lang="es-PE" dirty="0" err="1" smtClean="0">
+                <a:rPr lang="es-PE" dirty="0" err="1">
                   <a:solidFill>
                     <a:schemeClr val="bg1"/>
                   </a:solidFill>
@@ -8372,7 +8525,7 @@
 </p:sld>
 </file>
 
-<file path=ppt/slides/slide34.xml><?xml version="1.0" encoding="utf-8"?>
+<file path=ppt/slides/slide35.xml><?xml version="1.0" encoding="utf-8"?>
 <p:sld xmlns:a="http://schemas.openxmlformats.org/drawingml/2006/main" xmlns:r="http://schemas.openxmlformats.org/officeDocument/2006/relationships" xmlns:p="http://schemas.openxmlformats.org/presentationml/2006/main">
   <p:cSld>
     <p:spTree>
@@ -8474,7 +8627,7 @@
             <a:lstStyle/>
             <a:p>
               <a:r>
-                <a:rPr lang="es-PE" dirty="0" err="1" smtClean="0">
+                <a:rPr lang="es-PE" dirty="0" err="1">
                   <a:solidFill>
                     <a:schemeClr val="bg1"/>
                   </a:solidFill>
@@ -8575,7 +8728,7 @@
 </p:sld>
 </file>
 
-<file path=ppt/slides/slide35.xml><?xml version="1.0" encoding="utf-8"?>
+<file path=ppt/slides/slide36.xml><?xml version="1.0" encoding="utf-8"?>
 <p:sld xmlns:a="http://schemas.openxmlformats.org/drawingml/2006/main" xmlns:r="http://schemas.openxmlformats.org/officeDocument/2006/relationships" xmlns:p="http://schemas.openxmlformats.org/presentationml/2006/main">
   <p:cSld>
     <p:spTree>
@@ -8677,7 +8830,7 @@
             <a:lstStyle/>
             <a:p>
               <a:r>
-                <a:rPr lang="es-PE" dirty="0" err="1" smtClean="0">
+                <a:rPr lang="es-PE" dirty="0" err="1">
                   <a:solidFill>
                     <a:schemeClr val="bg1"/>
                   </a:solidFill>
@@ -8778,7 +8931,7 @@
 </p:sld>
 </file>
 
-<file path=ppt/slides/slide36.xml><?xml version="1.0" encoding="utf-8"?>
+<file path=ppt/slides/slide37.xml><?xml version="1.0" encoding="utf-8"?>
 <p:sld xmlns:a="http://schemas.openxmlformats.org/drawingml/2006/main" xmlns:r="http://schemas.openxmlformats.org/officeDocument/2006/relationships" xmlns:p="http://schemas.openxmlformats.org/presentationml/2006/main">
   <p:cSld>
     <p:spTree>
@@ -8880,7 +9033,7 @@
             <a:lstStyle/>
             <a:p>
               <a:r>
-                <a:rPr lang="es-PE" dirty="0" err="1" smtClean="0">
+                <a:rPr lang="es-PE" dirty="0" err="1">
                   <a:solidFill>
                     <a:schemeClr val="bg1"/>
                   </a:solidFill>
@@ -8933,7 +9086,7 @@
 </p:sld>
 </file>
 
-<file path=ppt/slides/slide37.xml><?xml version="1.0" encoding="utf-8"?>
+<file path=ppt/slides/slide38.xml><?xml version="1.0" encoding="utf-8"?>
 <p:sld xmlns:a="http://schemas.openxmlformats.org/drawingml/2006/main" xmlns:r="http://schemas.openxmlformats.org/officeDocument/2006/relationships" xmlns:p="http://schemas.openxmlformats.org/presentationml/2006/main">
   <p:cSld>
     <p:spTree>
@@ -9035,7 +9188,7 @@
             <a:lstStyle/>
             <a:p>
               <a:r>
-                <a:rPr lang="es-PE" dirty="0" err="1" smtClean="0">
+                <a:rPr lang="es-PE" dirty="0" err="1">
                   <a:solidFill>
                     <a:schemeClr val="bg1"/>
                   </a:solidFill>
@@ -9160,7 +9313,7 @@
 </p:sld>
 </file>
 
-<file path=ppt/slides/slide38.xml><?xml version="1.0" encoding="utf-8"?>
+<file path=ppt/slides/slide39.xml><?xml version="1.0" encoding="utf-8"?>
 <p:sld xmlns:a="http://schemas.openxmlformats.org/drawingml/2006/main" xmlns:r="http://schemas.openxmlformats.org/officeDocument/2006/relationships" xmlns:p="http://schemas.openxmlformats.org/presentationml/2006/main">
   <p:cSld>
     <p:spTree>
@@ -9262,7 +9415,7 @@
             <a:lstStyle/>
             <a:p>
               <a:r>
-                <a:rPr lang="es-PE" dirty="0" err="1" smtClean="0">
+                <a:rPr lang="es-PE" dirty="0" err="1">
                   <a:solidFill>
                     <a:schemeClr val="bg1"/>
                   </a:solidFill>
@@ -9339,7 +9492,99 @@
 </p:sld>
 </file>
 
-<file path=ppt/slides/slide39.xml><?xml version="1.0" encoding="utf-8"?>
+<file path=ppt/slides/slide4.xml><?xml version="1.0" encoding="utf-8"?>
+<p:sld xmlns:a="http://schemas.openxmlformats.org/drawingml/2006/main" xmlns:r="http://schemas.openxmlformats.org/officeDocument/2006/relationships" xmlns:p="http://schemas.openxmlformats.org/presentationml/2006/main">
+  <p:cSld>
+    <p:spTree>
+      <p:nvGrpSpPr>
+        <p:cNvPr id="1" name=""/>
+        <p:cNvGrpSpPr/>
+        <p:nvPr/>
+      </p:nvGrpSpPr>
+      <p:grpSpPr>
+        <a:xfrm>
+          <a:off x="0" y="0"/>
+          <a:ext cx="0" cy="0"/>
+          <a:chOff x="0" y="0"/>
+          <a:chExt cx="0" cy="0"/>
+        </a:xfrm>
+      </p:grpSpPr>
+      <p:sp>
+        <p:nvSpPr>
+          <p:cNvPr id="2" name="Título 1"/>
+          <p:cNvSpPr>
+            <a:spLocks noGrp="1"/>
+          </p:cNvSpPr>
+          <p:nvPr>
+            <p:ph type="title"/>
+          </p:nvPr>
+        </p:nvSpPr>
+        <p:spPr/>
+        <p:txBody>
+          <a:bodyPr/>
+          <a:lstStyle/>
+          <a:p>
+            <a:endParaRPr lang="es-PE"/>
+          </a:p>
+        </p:txBody>
+      </p:sp>
+      <p:sp>
+        <p:nvSpPr>
+          <p:cNvPr id="3" name="Marcador de contenido 2"/>
+          <p:cNvSpPr>
+            <a:spLocks noGrp="1"/>
+          </p:cNvSpPr>
+          <p:nvPr>
+            <p:ph idx="1"/>
+          </p:nvPr>
+        </p:nvSpPr>
+        <p:spPr/>
+        <p:txBody>
+          <a:bodyPr/>
+          <a:lstStyle/>
+          <a:p>
+            <a:endParaRPr lang="es-PE"/>
+          </a:p>
+        </p:txBody>
+      </p:sp>
+      <p:pic>
+        <p:nvPicPr>
+          <p:cNvPr id="4" name="Imagen 3"/>
+          <p:cNvPicPr>
+            <a:picLocks noChangeAspect="1"/>
+          </p:cNvPicPr>
+          <p:nvPr/>
+        </p:nvPicPr>
+        <p:blipFill>
+          <a:blip r:embed="rId2"/>
+          <a:stretch>
+            <a:fillRect/>
+          </a:stretch>
+        </p:blipFill>
+        <p:spPr>
+          <a:xfrm>
+            <a:off x="0" y="4762"/>
+            <a:ext cx="12192000" cy="6853237"/>
+          </a:xfrm>
+          <a:prstGeom prst="rect">
+            <a:avLst/>
+          </a:prstGeom>
+        </p:spPr>
+      </p:pic>
+    </p:spTree>
+    <p:extLst>
+      <p:ext uri="{BB962C8B-B14F-4D97-AF65-F5344CB8AC3E}">
+        <p14:creationId xmlns:p14="http://schemas.microsoft.com/office/powerpoint/2010/main" val="2447866170"/>
+      </p:ext>
+    </p:extLst>
+  </p:cSld>
+  <p:clrMapOvr>
+    <a:masterClrMapping/>
+  </p:clrMapOvr>
+</p:sld>
+</file>
+
+<file path=ppt/slides/slide40.xml><?xml version="1.0" encoding="utf-8"?>
 <p:sld xmlns:a="http://schemas.openxmlformats.org/drawingml/2006/main" xmlns:r="http://schemas.openxmlformats.org/officeDocument/2006/relationships" xmlns:p="http://schemas.openxmlformats.org/presentationml/2006/main">
   <p:cSld>
     <p:spTree>
@@ -9441,7 +9686,7 @@
             <a:lstStyle/>
             <a:p>
               <a:r>
-                <a:rPr lang="es-PE" dirty="0" err="1" smtClean="0">
+                <a:rPr lang="es-PE" dirty="0" err="1">
                   <a:solidFill>
                     <a:schemeClr val="bg1"/>
                   </a:solidFill>
@@ -9533,98 +9778,6 @@
     <p:extLst>
       <p:ext uri="{BB962C8B-B14F-4D97-AF65-F5344CB8AC3E}">
         <p14:creationId xmlns:p14="http://schemas.microsoft.com/office/powerpoint/2010/main" val="462594248"/>
-      </p:ext>
-    </p:extLst>
-  </p:cSld>
-  <p:clrMapOvr>
-    <a:masterClrMapping/>
-  </p:clrMapOvr>
-</p:sld>
-</file>
-
-<file path=ppt/slides/slide4.xml><?xml version="1.0" encoding="utf-8"?>
-<p:sld xmlns:a="http://schemas.openxmlformats.org/drawingml/2006/main" xmlns:r="http://schemas.openxmlformats.org/officeDocument/2006/relationships" xmlns:p="http://schemas.openxmlformats.org/presentationml/2006/main">
-  <p:cSld>
-    <p:spTree>
-      <p:nvGrpSpPr>
-        <p:cNvPr id="1" name=""/>
-        <p:cNvGrpSpPr/>
-        <p:nvPr/>
-      </p:nvGrpSpPr>
-      <p:grpSpPr>
-        <a:xfrm>
-          <a:off x="0" y="0"/>
-          <a:ext cx="0" cy="0"/>
-          <a:chOff x="0" y="0"/>
-          <a:chExt cx="0" cy="0"/>
-        </a:xfrm>
-      </p:grpSpPr>
-      <p:sp>
-        <p:nvSpPr>
-          <p:cNvPr id="2" name="Título 1"/>
-          <p:cNvSpPr>
-            <a:spLocks noGrp="1"/>
-          </p:cNvSpPr>
-          <p:nvPr>
-            <p:ph type="title"/>
-          </p:nvPr>
-        </p:nvSpPr>
-        <p:spPr/>
-        <p:txBody>
-          <a:bodyPr/>
-          <a:lstStyle/>
-          <a:p>
-            <a:endParaRPr lang="es-PE"/>
-          </a:p>
-        </p:txBody>
-      </p:sp>
-      <p:sp>
-        <p:nvSpPr>
-          <p:cNvPr id="3" name="Marcador de contenido 2"/>
-          <p:cNvSpPr>
-            <a:spLocks noGrp="1"/>
-          </p:cNvSpPr>
-          <p:nvPr>
-            <p:ph idx="1"/>
-          </p:nvPr>
-        </p:nvSpPr>
-        <p:spPr/>
-        <p:txBody>
-          <a:bodyPr/>
-          <a:lstStyle/>
-          <a:p>
-            <a:endParaRPr lang="es-PE"/>
-          </a:p>
-        </p:txBody>
-      </p:sp>
-      <p:pic>
-        <p:nvPicPr>
-          <p:cNvPr id="4" name="Imagen 3"/>
-          <p:cNvPicPr>
-            <a:picLocks noChangeAspect="1"/>
-          </p:cNvPicPr>
-          <p:nvPr/>
-        </p:nvPicPr>
-        <p:blipFill>
-          <a:blip r:embed="rId2"/>
-          <a:stretch>
-            <a:fillRect/>
-          </a:stretch>
-        </p:blipFill>
-        <p:spPr>
-          <a:xfrm>
-            <a:off x="0" y="4762"/>
-            <a:ext cx="12192000" cy="6853237"/>
-          </a:xfrm>
-          <a:prstGeom prst="rect">
-            <a:avLst/>
-          </a:prstGeom>
-        </p:spPr>
-      </p:pic>
-    </p:spTree>
-    <p:extLst>
-      <p:ext uri="{BB962C8B-B14F-4D97-AF65-F5344CB8AC3E}">
-        <p14:creationId xmlns:p14="http://schemas.microsoft.com/office/powerpoint/2010/main" val="2447866170"/>
       </p:ext>
     </p:extLst>
   </p:cSld>
@@ -9651,44 +9804,6 @@
           <a:chExt cx="0" cy="0"/>
         </a:xfrm>
       </p:grpSpPr>
-      <p:sp>
-        <p:nvSpPr>
-          <p:cNvPr id="2" name="Título 1"/>
-          <p:cNvSpPr>
-            <a:spLocks noGrp="1"/>
-          </p:cNvSpPr>
-          <p:nvPr>
-            <p:ph type="title"/>
-          </p:nvPr>
-        </p:nvSpPr>
-        <p:spPr/>
-        <p:txBody>
-          <a:bodyPr/>
-          <a:lstStyle/>
-          <a:p>
-            <a:endParaRPr lang="es-PE"/>
-          </a:p>
-        </p:txBody>
-      </p:sp>
-      <p:sp>
-        <p:nvSpPr>
-          <p:cNvPr id="3" name="Marcador de contenido 2"/>
-          <p:cNvSpPr>
-            <a:spLocks noGrp="1"/>
-          </p:cNvSpPr>
-          <p:nvPr>
-            <p:ph idx="1"/>
-          </p:nvPr>
-        </p:nvSpPr>
-        <p:spPr/>
-        <p:txBody>
-          <a:bodyPr/>
-          <a:lstStyle/>
-          <a:p>
-            <a:endParaRPr lang="es-PE"/>
-          </a:p>
-        </p:txBody>
-      </p:sp>
       <p:pic>
         <p:nvPicPr>
           <p:cNvPr id="4" name="Imagen 3"/>
@@ -9743,80 +9858,71 @@
           <a:chExt cx="0" cy="0"/>
         </a:xfrm>
       </p:grpSpPr>
-      <p:pic>
-        <p:nvPicPr>
-          <p:cNvPr id="4" name="Imagen 3"/>
-          <p:cNvPicPr>
-            <a:picLocks noChangeAspect="1"/>
-          </p:cNvPicPr>
-          <p:nvPr/>
-        </p:nvPicPr>
-        <p:blipFill>
-          <a:blip r:embed="rId2"/>
-          <a:stretch>
-            <a:fillRect/>
-          </a:stretch>
-        </p:blipFill>
-        <p:spPr>
-          <a:xfrm>
-            <a:off x="2582798" y="194500"/>
-            <a:ext cx="7292721" cy="6517251"/>
-          </a:xfrm>
-          <a:prstGeom prst="rect">
-            <a:avLst/>
-          </a:prstGeom>
-        </p:spPr>
-      </p:pic>
       <p:sp>
         <p:nvSpPr>
-          <p:cNvPr id="5" name="Rectángulo 4"/>
-          <p:cNvSpPr/>
-          <p:nvPr/>
+          <p:cNvPr id="2" name="Title 1">
+            <a:extLst>
+              <a:ext uri="{FF2B5EF4-FFF2-40B4-BE49-F238E27FC236}">
+                <a16:creationId xmlns:a16="http://schemas.microsoft.com/office/drawing/2014/main" id="{736033B8-514C-3BD3-66C4-AAF60281FA82}"/>
+              </a:ext>
+            </a:extLst>
+          </p:cNvPr>
+          <p:cNvSpPr>
+            <a:spLocks noGrp="1"/>
+          </p:cNvSpPr>
+          <p:nvPr>
+            <p:ph type="title"/>
+          </p:nvPr>
         </p:nvSpPr>
-        <p:spPr>
-          <a:xfrm>
-            <a:off x="2816352" y="1024128"/>
-            <a:ext cx="6894576" cy="1060704"/>
-          </a:xfrm>
-          <a:prstGeom prst="rect">
-            <a:avLst/>
-          </a:prstGeom>
-          <a:noFill/>
-          <a:ln w="76200">
-            <a:solidFill>
-              <a:srgbClr val="FF0000"/>
-            </a:solidFill>
-          </a:ln>
-        </p:spPr>
-        <p:style>
-          <a:lnRef idx="2">
-            <a:schemeClr val="accent1">
-              <a:shade val="50000"/>
-            </a:schemeClr>
-          </a:lnRef>
-          <a:fillRef idx="1">
-            <a:schemeClr val="accent1"/>
-          </a:fillRef>
-          <a:effectRef idx="0">
-            <a:schemeClr val="accent1"/>
-          </a:effectRef>
-          <a:fontRef idx="minor">
-            <a:schemeClr val="lt1"/>
-          </a:fontRef>
-        </p:style>
+        <p:spPr/>
         <p:txBody>
-          <a:bodyPr rtlCol="0" anchor="ctr"/>
+          <a:bodyPr/>
           <a:lstStyle/>
           <a:p>
-            <a:pPr algn="ctr"/>
-            <a:endParaRPr lang="es-PE"/>
+            <a:r>
+              <a:rPr lang="es-MX" dirty="0"/>
+              <a:t>Wa </a:t>
+            </a:r>
+            <a:r>
+              <a:rPr lang="es-MX" dirty="0" err="1"/>
+              <a:t>awaw</a:t>
+            </a:r>
+            <a:r>
+              <a:rPr lang="es-MX" dirty="0"/>
+              <a:t> </a:t>
+            </a:r>
+            <a:r>
+              <a:rPr lang="es-MX" dirty="0" err="1"/>
+              <a:t>aw</a:t>
+            </a:r>
+            <a:r>
+              <a:rPr lang="es-MX" dirty="0"/>
+              <a:t> </a:t>
+            </a:r>
+            <a:r>
+              <a:rPr lang="es-MX" dirty="0" err="1"/>
+              <a:t>aw</a:t>
+            </a:r>
+            <a:r>
+              <a:rPr lang="es-MX" dirty="0"/>
+              <a:t> </a:t>
+            </a:r>
+            <a:r>
+              <a:rPr lang="es-MX" dirty="0" err="1"/>
+              <a:t>aw</a:t>
+            </a:r>
+            <a:r>
+              <a:rPr lang="es-MX" dirty="0"/>
+              <a:t> a </a:t>
+            </a:r>
+            <a:endParaRPr lang="es-PE" dirty="0"/>
           </a:p>
         </p:txBody>
       </p:sp>
     </p:spTree>
     <p:extLst>
       <p:ext uri="{BB962C8B-B14F-4D97-AF65-F5344CB8AC3E}">
-        <p14:creationId xmlns:p14="http://schemas.microsoft.com/office/powerpoint/2010/main" val="118402677"/>
+        <p14:creationId xmlns:p14="http://schemas.microsoft.com/office/powerpoint/2010/main" val="2944372923"/>
       </p:ext>
     </p:extLst>
   </p:cSld>
@@ -9859,32 +9965,8 @@
         </p:blipFill>
         <p:spPr>
           <a:xfrm>
-            <a:off x="2299607" y="293915"/>
-            <a:ext cx="8036921" cy="2096588"/>
-          </a:xfrm>
-          <a:prstGeom prst="rect">
-            <a:avLst/>
-          </a:prstGeom>
-        </p:spPr>
-      </p:pic>
-      <p:pic>
-        <p:nvPicPr>
-          <p:cNvPr id="5" name="Imagen 4"/>
-          <p:cNvPicPr>
-            <a:picLocks noChangeAspect="1"/>
-          </p:cNvPicPr>
-          <p:nvPr/>
-        </p:nvPicPr>
-        <p:blipFill>
-          <a:blip r:embed="rId3"/>
-          <a:stretch>
-            <a:fillRect/>
-          </a:stretch>
-        </p:blipFill>
-        <p:spPr>
-          <a:xfrm>
-            <a:off x="1281248" y="2573383"/>
-            <a:ext cx="2036718" cy="2156525"/>
+            <a:off x="2582798" y="194500"/>
+            <a:ext cx="7292721" cy="6517251"/>
           </a:xfrm>
           <a:prstGeom prst="rect">
             <a:avLst/>
@@ -9893,266 +9975,54 @@
       </p:pic>
       <p:sp>
         <p:nvSpPr>
-          <p:cNvPr id="6" name="CuadroTexto 5"/>
-          <p:cNvSpPr txBox="1"/>
+          <p:cNvPr id="5" name="Rectángulo 4"/>
+          <p:cNvSpPr/>
           <p:nvPr/>
         </p:nvSpPr>
         <p:spPr>
           <a:xfrm>
-            <a:off x="1281248" y="4812386"/>
-            <a:ext cx="3200400" cy="2031325"/>
+            <a:off x="2816352" y="1024128"/>
+            <a:ext cx="6894576" cy="1060704"/>
           </a:xfrm>
           <a:prstGeom prst="rect">
             <a:avLst/>
           </a:prstGeom>
           <a:noFill/>
-        </p:spPr>
+          <a:ln w="76200">
+            <a:solidFill>
+              <a:srgbClr val="FF0000"/>
+            </a:solidFill>
+          </a:ln>
+        </p:spPr>
+        <p:style>
+          <a:lnRef idx="2">
+            <a:schemeClr val="accent1">
+              <a:shade val="50000"/>
+            </a:schemeClr>
+          </a:lnRef>
+          <a:fillRef idx="1">
+            <a:schemeClr val="accent1"/>
+          </a:fillRef>
+          <a:effectRef idx="0">
+            <a:schemeClr val="accent1"/>
+          </a:effectRef>
+          <a:fontRef idx="minor">
+            <a:schemeClr val="lt1"/>
+          </a:fontRef>
+        </p:style>
         <p:txBody>
-          <a:bodyPr wrap="square" rtlCol="0">
-            <a:spAutoFit/>
-          </a:bodyPr>
+          <a:bodyPr rtlCol="0" anchor="ctr"/>
           <a:lstStyle/>
           <a:p>
-            <a:r>
-              <a:rPr lang="es-PE" dirty="0" smtClean="0"/>
-              <a:t>Nombrado en honor a Francesco </a:t>
-            </a:r>
-            <a:r>
-              <a:rPr lang="es-PE" dirty="0" err="1" smtClean="0">
-                <a:solidFill>
-                  <a:srgbClr val="FF0000"/>
-                </a:solidFill>
-              </a:rPr>
-              <a:t>Salviati</a:t>
-            </a:r>
-            <a:endParaRPr lang="es-PE" dirty="0" smtClean="0">
-              <a:solidFill>
-                <a:srgbClr val="FF0000"/>
-              </a:solidFill>
-            </a:endParaRPr>
-          </a:p>
-          <a:p>
-            <a:r>
-              <a:rPr lang="es-PE" dirty="0" smtClean="0"/>
-              <a:t>Hijo de Medici</a:t>
-            </a:r>
-          </a:p>
-          <a:p>
-            <a:r>
-              <a:rPr lang="es-PE" dirty="0" smtClean="0"/>
-              <a:t>Arzobispo de Pisa</a:t>
-            </a:r>
-          </a:p>
-          <a:p>
-            <a:r>
-              <a:rPr lang="es-PE" dirty="0" smtClean="0"/>
-              <a:t>Ejecutado por participar en conspiración</a:t>
-            </a:r>
-          </a:p>
-          <a:p>
-            <a:r>
-              <a:rPr lang="es-PE" dirty="0" smtClean="0"/>
-              <a:t>Copernicano (visión de Galileo)</a:t>
-            </a:r>
-            <a:endParaRPr lang="es-PE" dirty="0"/>
+            <a:pPr algn="ctr"/>
+            <a:endParaRPr lang="es-PE"/>
           </a:p>
         </p:txBody>
       </p:sp>
-      <p:pic>
-        <p:nvPicPr>
-          <p:cNvPr id="7" name="Imagen 6"/>
-          <p:cNvPicPr>
-            <a:picLocks noChangeAspect="1"/>
-          </p:cNvPicPr>
-          <p:nvPr/>
-        </p:nvPicPr>
-        <p:blipFill>
-          <a:blip r:embed="rId4"/>
-          <a:stretch>
-            <a:fillRect/>
-          </a:stretch>
-        </p:blipFill>
-        <p:spPr>
-          <a:xfrm>
-            <a:off x="4932861" y="2811508"/>
-            <a:ext cx="2247900" cy="2505075"/>
-          </a:xfrm>
-          <a:prstGeom prst="rect">
-            <a:avLst/>
-          </a:prstGeom>
-        </p:spPr>
-      </p:pic>
-      <p:sp>
-        <p:nvSpPr>
-          <p:cNvPr id="8" name="CuadroTexto 7"/>
-          <p:cNvSpPr txBox="1"/>
-          <p:nvPr/>
-        </p:nvSpPr>
-        <p:spPr>
-          <a:xfrm>
-            <a:off x="4932861" y="5380672"/>
-            <a:ext cx="3200400" cy="1477328"/>
-          </a:xfrm>
-          <a:prstGeom prst="rect">
-            <a:avLst/>
-          </a:prstGeom>
-          <a:noFill/>
-        </p:spPr>
-        <p:txBody>
-          <a:bodyPr wrap="square" rtlCol="0">
-            <a:spAutoFit/>
-          </a:bodyPr>
-          <a:lstStyle/>
-          <a:p>
-            <a:r>
-              <a:rPr lang="es-PE" dirty="0" smtClean="0"/>
-              <a:t>Giovanni </a:t>
-            </a:r>
-            <a:r>
-              <a:rPr lang="es-PE" dirty="0" err="1" smtClean="0">
-                <a:solidFill>
-                  <a:srgbClr val="FF0000"/>
-                </a:solidFill>
-              </a:rPr>
-              <a:t>Sagredo</a:t>
-            </a:r>
-            <a:endParaRPr lang="es-PE" dirty="0" smtClean="0">
-              <a:solidFill>
-                <a:srgbClr val="FF0000"/>
-              </a:solidFill>
-            </a:endParaRPr>
-          </a:p>
-          <a:p>
-            <a:r>
-              <a:rPr lang="es-PE" dirty="0" smtClean="0"/>
-              <a:t>Matemático</a:t>
-            </a:r>
-          </a:p>
-          <a:p>
-            <a:r>
-              <a:rPr lang="es-PE" dirty="0" smtClean="0"/>
-              <a:t>Nombrado en honor al amigo y admirado por Galileo</a:t>
-            </a:r>
-          </a:p>
-          <a:p>
-            <a:r>
-              <a:rPr lang="es-PE" dirty="0" smtClean="0"/>
-              <a:t>Visión neutral y anti dogmática.</a:t>
-            </a:r>
-            <a:endParaRPr lang="es-PE" dirty="0"/>
-          </a:p>
-        </p:txBody>
-      </p:sp>
-      <p:sp>
-        <p:nvSpPr>
-          <p:cNvPr id="9" name="CuadroTexto 8"/>
-          <p:cNvSpPr txBox="1"/>
-          <p:nvPr/>
-        </p:nvSpPr>
-        <p:spPr>
-          <a:xfrm>
-            <a:off x="8584474" y="4440147"/>
-            <a:ext cx="3200400" cy="2308324"/>
-          </a:xfrm>
-          <a:prstGeom prst="rect">
-            <a:avLst/>
-          </a:prstGeom>
-          <a:noFill/>
-        </p:spPr>
-        <p:txBody>
-          <a:bodyPr wrap="square" rtlCol="0">
-            <a:spAutoFit/>
-          </a:bodyPr>
-          <a:lstStyle/>
-          <a:p>
-            <a:r>
-              <a:rPr lang="es-PE" dirty="0" smtClean="0">
-                <a:solidFill>
-                  <a:srgbClr val="FF0000"/>
-                </a:solidFill>
-              </a:rPr>
-              <a:t>Simplicio</a:t>
-            </a:r>
-            <a:r>
-              <a:rPr lang="es-PE" dirty="0" smtClean="0"/>
-              <a:t> (amalgama de rivales </a:t>
-            </a:r>
-            <a:r>
-              <a:rPr lang="es-PE" dirty="0" err="1" smtClean="0"/>
-              <a:t>Lodovico</a:t>
-            </a:r>
-            <a:r>
-              <a:rPr lang="es-PE" dirty="0" smtClean="0"/>
-              <a:t> </a:t>
-            </a:r>
-            <a:r>
-              <a:rPr lang="es-PE" dirty="0" err="1" smtClean="0"/>
-              <a:t>delle</a:t>
-            </a:r>
-            <a:r>
-              <a:rPr lang="es-PE" dirty="0" smtClean="0"/>
-              <a:t> </a:t>
-            </a:r>
-            <a:r>
-              <a:rPr lang="es-PE" dirty="0" err="1" smtClean="0"/>
-              <a:t>Colombe</a:t>
-            </a:r>
-            <a:r>
-              <a:rPr lang="es-PE" dirty="0" smtClean="0"/>
-              <a:t> + Cesare </a:t>
-            </a:r>
-            <a:r>
-              <a:rPr lang="es-PE" dirty="0" err="1" smtClean="0"/>
-              <a:t>Cremonini</a:t>
-            </a:r>
-            <a:r>
-              <a:rPr lang="es-PE" dirty="0" smtClean="0"/>
-              <a:t>, nombre proviene de San Simplicio)</a:t>
-            </a:r>
-          </a:p>
-          <a:p>
-            <a:r>
-              <a:rPr lang="es-PE" dirty="0" smtClean="0"/>
-              <a:t>Defiende a Ptolomeo y Aristóteles</a:t>
-            </a:r>
-          </a:p>
-          <a:p>
-            <a:r>
-              <a:rPr lang="es-PE" dirty="0" smtClean="0"/>
-              <a:t>Sátira de los conservadores y el papa</a:t>
-            </a:r>
-            <a:endParaRPr lang="es-PE" dirty="0"/>
-          </a:p>
-        </p:txBody>
-      </p:sp>
-      <p:pic>
-        <p:nvPicPr>
-          <p:cNvPr id="10" name="Imagen 9"/>
-          <p:cNvPicPr>
-            <a:picLocks noChangeAspect="1"/>
-          </p:cNvPicPr>
-          <p:nvPr/>
-        </p:nvPicPr>
-        <p:blipFill>
-          <a:blip r:embed="rId5"/>
-          <a:stretch>
-            <a:fillRect/>
-          </a:stretch>
-        </p:blipFill>
-        <p:spPr>
-          <a:xfrm>
-            <a:off x="9368381" y="2573383"/>
-            <a:ext cx="1112786" cy="1594822"/>
-          </a:xfrm>
-          <a:prstGeom prst="rect">
-            <a:avLst/>
-          </a:prstGeom>
-        </p:spPr>
-      </p:pic>
     </p:spTree>
     <p:extLst>
       <p:ext uri="{BB962C8B-B14F-4D97-AF65-F5344CB8AC3E}">
-        <p14:creationId xmlns:p14="http://schemas.microsoft.com/office/powerpoint/2010/main" val="3592207013"/>
+        <p14:creationId xmlns:p14="http://schemas.microsoft.com/office/powerpoint/2010/main" val="118402677"/>
       </p:ext>
     </p:extLst>
   </p:cSld>
@@ -10179,173 +10049,313 @@
           <a:chExt cx="0" cy="0"/>
         </a:xfrm>
       </p:grpSpPr>
+      <p:pic>
+        <p:nvPicPr>
+          <p:cNvPr id="4" name="Imagen 3"/>
+          <p:cNvPicPr>
+            <a:picLocks noChangeAspect="1"/>
+          </p:cNvPicPr>
+          <p:nvPr/>
+        </p:nvPicPr>
+        <p:blipFill>
+          <a:blip r:embed="rId2"/>
+          <a:stretch>
+            <a:fillRect/>
+          </a:stretch>
+        </p:blipFill>
+        <p:spPr>
+          <a:xfrm>
+            <a:off x="2299607" y="293915"/>
+            <a:ext cx="8036921" cy="2096588"/>
+          </a:xfrm>
+          <a:prstGeom prst="rect">
+            <a:avLst/>
+          </a:prstGeom>
+        </p:spPr>
+      </p:pic>
+      <p:pic>
+        <p:nvPicPr>
+          <p:cNvPr id="5" name="Imagen 4"/>
+          <p:cNvPicPr>
+            <a:picLocks noChangeAspect="1"/>
+          </p:cNvPicPr>
+          <p:nvPr/>
+        </p:nvPicPr>
+        <p:blipFill>
+          <a:blip r:embed="rId3"/>
+          <a:stretch>
+            <a:fillRect/>
+          </a:stretch>
+        </p:blipFill>
+        <p:spPr>
+          <a:xfrm>
+            <a:off x="1281248" y="2573383"/>
+            <a:ext cx="2036718" cy="2156525"/>
+          </a:xfrm>
+          <a:prstGeom prst="rect">
+            <a:avLst/>
+          </a:prstGeom>
+        </p:spPr>
+      </p:pic>
       <p:sp>
         <p:nvSpPr>
-          <p:cNvPr id="3" name="Marcador de contenido 2"/>
-          <p:cNvSpPr>
-            <a:spLocks noGrp="1"/>
-          </p:cNvSpPr>
-          <p:nvPr>
-            <p:ph idx="1"/>
-          </p:nvPr>
+          <p:cNvPr id="6" name="CuadroTexto 5"/>
+          <p:cNvSpPr txBox="1"/>
+          <p:nvPr/>
         </p:nvSpPr>
         <p:spPr>
           <a:xfrm>
-            <a:off x="838200" y="1306286"/>
-            <a:ext cx="10515600" cy="4870677"/>
-          </a:xfrm>
+            <a:off x="1281248" y="4812386"/>
+            <a:ext cx="3200400" cy="2031325"/>
+          </a:xfrm>
+          <a:prstGeom prst="rect">
+            <a:avLst/>
+          </a:prstGeom>
+          <a:noFill/>
         </p:spPr>
         <p:txBody>
-          <a:bodyPr>
-            <a:normAutofit/>
+          <a:bodyPr wrap="square" rtlCol="0">
+            <a:spAutoFit/>
           </a:bodyPr>
           <a:lstStyle/>
           <a:p>
             <a:r>
-              <a:rPr lang="es-PE" dirty="0" smtClean="0"/>
-              <a:t>Se debate </a:t>
-            </a:r>
-            <a:r>
               <a:rPr lang="es-PE" dirty="0"/>
-              <a:t>sobre el movimiento del universo en torno al </a:t>
-            </a:r>
+              <a:t>Nombrado en honor a Francesco </a:t>
+            </a:r>
+            <a:r>
+              <a:rPr lang="es-PE" dirty="0" err="1">
+                <a:solidFill>
+                  <a:srgbClr val="FF0000"/>
+                </a:solidFill>
+              </a:rPr>
+              <a:t>Salviati</a:t>
+            </a:r>
+            <a:endParaRPr lang="es-PE" dirty="0">
+              <a:solidFill>
+                <a:srgbClr val="FF0000"/>
+              </a:solidFill>
+            </a:endParaRPr>
+          </a:p>
+          <a:p>
+            <a:r>
+              <a:rPr lang="es-PE" dirty="0"/>
+              <a:t>Hijo de Medici</a:t>
+            </a:r>
+          </a:p>
+          <a:p>
+            <a:r>
+              <a:rPr lang="es-PE" dirty="0"/>
+              <a:t>Arzobispo de Pisa</a:t>
+            </a:r>
+          </a:p>
+          <a:p>
+            <a:r>
+              <a:rPr lang="es-PE" dirty="0"/>
+              <a:t>Ejecutado por participar en conspiración</a:t>
+            </a:r>
+          </a:p>
+          <a:p>
+            <a:r>
+              <a:rPr lang="es-PE" dirty="0"/>
+              <a:t>Copernicano (visión de Galileo)</a:t>
+            </a:r>
+          </a:p>
+        </p:txBody>
+      </p:sp>
+      <p:pic>
+        <p:nvPicPr>
+          <p:cNvPr id="7" name="Imagen 6"/>
+          <p:cNvPicPr>
+            <a:picLocks noChangeAspect="1"/>
+          </p:cNvPicPr>
+          <p:nvPr/>
+        </p:nvPicPr>
+        <p:blipFill>
+          <a:blip r:embed="rId4"/>
+          <a:stretch>
+            <a:fillRect/>
+          </a:stretch>
+        </p:blipFill>
+        <p:spPr>
+          <a:xfrm>
+            <a:off x="4932861" y="2811508"/>
+            <a:ext cx="2247900" cy="2505075"/>
+          </a:xfrm>
+          <a:prstGeom prst="rect">
+            <a:avLst/>
+          </a:prstGeom>
+        </p:spPr>
+      </p:pic>
+      <p:sp>
+        <p:nvSpPr>
+          <p:cNvPr id="8" name="CuadroTexto 7"/>
+          <p:cNvSpPr txBox="1"/>
+          <p:nvPr/>
+        </p:nvSpPr>
+        <p:spPr>
+          <a:xfrm>
+            <a:off x="4932861" y="5380672"/>
+            <a:ext cx="3200400" cy="1477328"/>
+          </a:xfrm>
+          <a:prstGeom prst="rect">
+            <a:avLst/>
+          </a:prstGeom>
+          <a:noFill/>
+        </p:spPr>
+        <p:txBody>
+          <a:bodyPr wrap="square" rtlCol="0">
+            <a:spAutoFit/>
+          </a:bodyPr>
+          <a:lstStyle/>
+          <a:p>
+            <a:r>
+              <a:rPr lang="es-PE" dirty="0"/>
+              <a:t>Giovanni </a:t>
+            </a:r>
+            <a:r>
+              <a:rPr lang="es-PE" dirty="0" err="1">
+                <a:solidFill>
+                  <a:srgbClr val="FF0000"/>
+                </a:solidFill>
+              </a:rPr>
+              <a:t>Sagredo</a:t>
+            </a:r>
+            <a:endParaRPr lang="es-PE" dirty="0">
+              <a:solidFill>
+                <a:srgbClr val="FF0000"/>
+              </a:solidFill>
+            </a:endParaRPr>
+          </a:p>
+          <a:p>
+            <a:r>
+              <a:rPr lang="es-PE" dirty="0"/>
+              <a:t>Matemático</a:t>
+            </a:r>
+          </a:p>
+          <a:p>
+            <a:r>
+              <a:rPr lang="es-PE" dirty="0"/>
+              <a:t>Nombrado en honor al amigo y admirado por Galileo</a:t>
+            </a:r>
+          </a:p>
+          <a:p>
+            <a:r>
+              <a:rPr lang="es-PE" dirty="0"/>
+              <a:t>Visión neutral y anti dogmática.</a:t>
+            </a:r>
+          </a:p>
+        </p:txBody>
+      </p:sp>
+      <p:sp>
+        <p:nvSpPr>
+          <p:cNvPr id="9" name="CuadroTexto 8"/>
+          <p:cNvSpPr txBox="1"/>
+          <p:nvPr/>
+        </p:nvSpPr>
+        <p:spPr>
+          <a:xfrm>
+            <a:off x="8584474" y="4440147"/>
+            <a:ext cx="3200400" cy="2308324"/>
+          </a:xfrm>
+          <a:prstGeom prst="rect">
+            <a:avLst/>
+          </a:prstGeom>
+          <a:noFill/>
+        </p:spPr>
+        <p:txBody>
+          <a:bodyPr wrap="square" rtlCol="0">
+            <a:spAutoFit/>
+          </a:bodyPr>
+          <a:lstStyle/>
+          <a:p>
             <a:r>
               <a:rPr lang="es-PE" dirty="0">
                 <a:solidFill>
                   <a:srgbClr val="FF0000"/>
                 </a:solidFill>
               </a:rPr>
-              <a:t>sol</a:t>
+              <a:t>Simplicio</a:t>
             </a:r>
             <a:r>
               <a:rPr lang="es-PE" dirty="0"/>
-              <a:t>. </a:t>
-            </a:r>
-            <a:endParaRPr lang="es-PE" dirty="0" smtClean="0"/>
-          </a:p>
-          <a:p>
-            <a:pPr marL="0" indent="0">
-              <a:buNone/>
-            </a:pPr>
-            <a:endParaRPr lang="es-PE" dirty="0"/>
-          </a:p>
-          <a:p>
-            <a:r>
-              <a:rPr lang="es-PE" dirty="0" smtClean="0"/>
-              <a:t>Este libro generó una fuerte polémica al cuestionar el paradigma existente sobre el movimiento de la Tierra y devino en una acusación formal por «</a:t>
-            </a:r>
-            <a:r>
-              <a:rPr lang="es-PE" dirty="0" smtClean="0">
-                <a:solidFill>
-                  <a:srgbClr val="FF0000"/>
-                </a:solidFill>
-              </a:rPr>
-              <a:t>sospechas graves de herejía</a:t>
-            </a:r>
-            <a:r>
-              <a:rPr lang="es-PE" dirty="0" smtClean="0"/>
-              <a:t>» ante la Inquisición y posterior condena del autor. El libro fue a continuación incluido en el </a:t>
-            </a:r>
-            <a:r>
-              <a:rPr lang="es-PE" i="1" dirty="0" err="1" smtClean="0">
-                <a:solidFill>
-                  <a:srgbClr val="FF0000"/>
-                </a:solidFill>
-              </a:rPr>
-              <a:t>Index</a:t>
-            </a:r>
-            <a:r>
-              <a:rPr lang="es-PE" i="1" dirty="0" smtClean="0">
-                <a:solidFill>
-                  <a:srgbClr val="FF0000"/>
-                </a:solidFill>
-              </a:rPr>
+              <a:t> (amalgama de rivales </a:t>
+            </a:r>
+            <a:r>
+              <a:rPr lang="es-PE" dirty="0" err="1"/>
+              <a:t>Lodovico</a:t>
+            </a:r>
+            <a:r>
+              <a:rPr lang="es-PE" dirty="0"/>
               <a:t> </a:t>
             </a:r>
             <a:r>
-              <a:rPr lang="es-PE" i="1" dirty="0" err="1" smtClean="0">
-                <a:solidFill>
-                  <a:srgbClr val="FF0000"/>
-                </a:solidFill>
-              </a:rPr>
-              <a:t>librorum</a:t>
-            </a:r>
-            <a:r>
-              <a:rPr lang="es-PE" i="1" dirty="0" smtClean="0">
-                <a:solidFill>
-                  <a:srgbClr val="FF0000"/>
-                </a:solidFill>
-              </a:rPr>
+              <a:rPr lang="es-PE" dirty="0" err="1"/>
+              <a:t>delle</a:t>
+            </a:r>
+            <a:r>
+              <a:rPr lang="es-PE" dirty="0"/>
               <a:t> </a:t>
             </a:r>
             <a:r>
-              <a:rPr lang="es-PE" i="1" dirty="0" err="1" smtClean="0">
-                <a:solidFill>
-                  <a:srgbClr val="FF0000"/>
-                </a:solidFill>
-              </a:rPr>
-              <a:t>prohibitorum</a:t>
-            </a:r>
-            <a:r>
-              <a:rPr lang="es-PE" dirty="0" smtClean="0"/>
-              <a:t>, del cual no fue eliminado hasta 1822.</a:t>
-            </a:r>
-          </a:p>
-          <a:p>
-            <a:pPr marL="0" indent="0">
-              <a:buNone/>
-            </a:pPr>
-            <a:endParaRPr lang="es-PE" dirty="0" smtClean="0"/>
-          </a:p>
-          <a:p>
+              <a:rPr lang="es-PE" dirty="0" err="1"/>
+              <a:t>Colombe</a:t>
+            </a:r>
             <a:r>
               <a:rPr lang="es-PE" dirty="0"/>
-              <a:t> </a:t>
-            </a:r>
-            <a:r>
-              <a:rPr lang="es-PE" dirty="0" smtClean="0"/>
-              <a:t>El fenómeno </a:t>
+              <a:t> + Cesare </a:t>
+            </a:r>
+            <a:r>
+              <a:rPr lang="es-PE" dirty="0" err="1"/>
+              <a:t>Cremonini</a:t>
             </a:r>
             <a:r>
               <a:rPr lang="es-PE" dirty="0"/>
-              <a:t>que </a:t>
-            </a:r>
-            <a:r>
-              <a:rPr lang="es-PE" dirty="0" smtClean="0"/>
-              <a:t>se intentaba demostrar es </a:t>
-            </a:r>
+              <a:t>, nombre proviene de San Simplicio)</a:t>
+            </a:r>
+          </a:p>
+          <a:p>
             <a:r>
               <a:rPr lang="es-PE" dirty="0"/>
-              <a:t>el movimiento de la Tierra desde un punto de vista </a:t>
-            </a:r>
-            <a:r>
-              <a:rPr lang="es-PE" dirty="0">
-                <a:solidFill>
-                  <a:srgbClr val="FF0000"/>
-                </a:solidFill>
-              </a:rPr>
-              <a:t>puramente físico</a:t>
-            </a:r>
-            <a:r>
-              <a:rPr lang="es-PE" dirty="0" smtClean="0"/>
-              <a:t>. (</a:t>
-            </a:r>
-            <a:r>
-              <a:rPr lang="es-PE" dirty="0" err="1" smtClean="0"/>
-              <a:t>Democriteánamente</a:t>
-            </a:r>
-            <a:r>
-              <a:rPr lang="es-PE" dirty="0" smtClean="0"/>
-              <a:t>)</a:t>
-            </a:r>
-            <a:endParaRPr lang="es-PE" dirty="0"/>
+              <a:t>Defiende a Ptolomeo y Aristóteles</a:t>
+            </a:r>
+          </a:p>
+          <a:p>
+            <a:r>
+              <a:rPr lang="es-PE" dirty="0"/>
+              <a:t>Sátira de los conservadores y el papa</a:t>
+            </a:r>
           </a:p>
         </p:txBody>
       </p:sp>
+      <p:pic>
+        <p:nvPicPr>
+          <p:cNvPr id="10" name="Imagen 9"/>
+          <p:cNvPicPr>
+            <a:picLocks noChangeAspect="1"/>
+          </p:cNvPicPr>
+          <p:nvPr/>
+        </p:nvPicPr>
+        <p:blipFill>
+          <a:blip r:embed="rId5"/>
+          <a:stretch>
+            <a:fillRect/>
+          </a:stretch>
+        </p:blipFill>
+        <p:spPr>
+          <a:xfrm>
+            <a:off x="9368381" y="2573383"/>
+            <a:ext cx="1112786" cy="1594822"/>
+          </a:xfrm>
+          <a:prstGeom prst="rect">
+            <a:avLst/>
+          </a:prstGeom>
+        </p:spPr>
+      </p:pic>
     </p:spTree>
     <p:extLst>
       <p:ext uri="{BB962C8B-B14F-4D97-AF65-F5344CB8AC3E}">
-        <p14:creationId xmlns:p14="http://schemas.microsoft.com/office/powerpoint/2010/main" val="3713978148"/>
+        <p14:creationId xmlns:p14="http://schemas.microsoft.com/office/powerpoint/2010/main" val="3592207013"/>
       </p:ext>
     </p:extLst>
   </p:cSld>
@@ -10390,17 +10400,13 @@
         </p:spPr>
         <p:txBody>
           <a:bodyPr>
-            <a:normAutofit fontScale="77500" lnSpcReduction="20000"/>
+            <a:normAutofit/>
           </a:bodyPr>
           <a:lstStyle/>
           <a:p>
             <a:r>
-              <a:rPr lang="es-PE" dirty="0" smtClean="0"/>
-              <a:t>A </a:t>
-            </a:r>
-            <a:r>
               <a:rPr lang="es-PE" dirty="0"/>
-              <a:t>pesar de que el libro está presentado formalmente como una consideración de ambos sistemas —no hubiera obtenido aprobación de no haber sido así— no hay duda de que el desarrollo de los argumentos copernicanos obtiene y por mucho las preferencias del autor. El personaje de </a:t>
+              <a:t>Se debate sobre el movimiento del universo en torno al </a:t>
             </a:r>
             <a:r>
               <a:rPr lang="es-PE" dirty="0">
@@ -10408,83 +10414,11 @@
                   <a:srgbClr val="FF0000"/>
                 </a:solidFill>
               </a:rPr>
-              <a:t>Simplicio</a:t>
+              <a:t>sol</a:t>
             </a:r>
             <a:r>
               <a:rPr lang="es-PE" dirty="0"/>
-              <a:t> claramente se encuentra superado en inteligencia e información por el de </a:t>
-            </a:r>
-            <a:r>
-              <a:rPr lang="es-PE" dirty="0" err="1">
-                <a:solidFill>
-                  <a:srgbClr val="FF0000"/>
-                </a:solidFill>
-              </a:rPr>
-              <a:t>Salviati</a:t>
-            </a:r>
-            <a:r>
-              <a:rPr lang="es-PE" dirty="0"/>
-              <a:t> y esta desventaja se </a:t>
-            </a:r>
-            <a:r>
-              <a:rPr lang="es-PE" dirty="0" smtClean="0"/>
-              <a:t>traslada </a:t>
-            </a:r>
-            <a:r>
-              <a:rPr lang="es-PE" dirty="0"/>
-              <a:t>directamente al resultado del debate</a:t>
-            </a:r>
-            <a:r>
-              <a:rPr lang="es-PE" dirty="0" smtClean="0"/>
-              <a:t>.</a:t>
-            </a:r>
-          </a:p>
-          <a:p>
-            <a:pPr marL="0" indent="0">
-              <a:buNone/>
-            </a:pPr>
-            <a:endParaRPr lang="es-PE" dirty="0" smtClean="0"/>
-          </a:p>
-          <a:p>
-            <a:r>
-              <a:rPr lang="es-PE" dirty="0"/>
-              <a:t>El diálogo no trata los aportes del Sistema </a:t>
-            </a:r>
-            <a:r>
-              <a:rPr lang="es-PE" dirty="0" err="1"/>
-              <a:t>tychónico</a:t>
-            </a:r>
-            <a:r>
-              <a:rPr lang="es-PE" dirty="0"/>
-              <a:t>, que era considerado como el preferido de la Iglesia católica al momento de su publicación. El sistema </a:t>
-            </a:r>
-            <a:r>
-              <a:rPr lang="es-PE" dirty="0" smtClean="0"/>
-              <a:t>de </a:t>
-            </a:r>
-            <a:r>
-              <a:rPr lang="es-PE" dirty="0" err="1" smtClean="0"/>
-              <a:t>Tycho</a:t>
-            </a:r>
-            <a:r>
-              <a:rPr lang="es-PE" dirty="0" smtClean="0"/>
-              <a:t> tiene </a:t>
-            </a:r>
-            <a:r>
-              <a:rPr lang="es-PE" dirty="0"/>
-              <a:t>un tratamiento matemático similar al copernicano, y no había en ese tiempo alguna prueba empírica de su invalidez. Como ilustra su correspondencia personal, Galileo nunca tomó en serio a los desarrollos de </a:t>
-            </a:r>
-            <a:r>
-              <a:rPr lang="es-PE" dirty="0" err="1"/>
-              <a:t>Tycho</a:t>
-            </a:r>
-            <a:r>
-              <a:rPr lang="es-PE" dirty="0"/>
-              <a:t>, descalificándolos como un compromiso inadecuado y poco satisfactorio</a:t>
-            </a:r>
-            <a:r>
-              <a:rPr lang="es-PE" dirty="0" smtClean="0"/>
-              <a:t>.</a:t>
+              <a:t>. </a:t>
             </a:r>
           </a:p>
           <a:p>
@@ -10496,7 +10430,7 @@
           <a:p>
             <a:r>
               <a:rPr lang="es-PE" dirty="0"/>
-              <a:t>La discusión </a:t>
+              <a:t>Este libro generó una fuerte polémica al cuestionar el paradigma existente sobre el movimiento de la Tierra y devino en una acusación formal por «</a:t>
             </a:r>
             <a:r>
               <a:rPr lang="es-PE" dirty="0">
@@ -10504,11 +10438,67 @@
                   <a:srgbClr val="FF0000"/>
                 </a:solidFill>
               </a:rPr>
-              <a:t>no se limita a los asuntos astronómicos</a:t>
+              <a:t>sospechas graves de herejía</a:t>
             </a:r>
             <a:r>
               <a:rPr lang="es-PE" dirty="0"/>
-              <a:t>, sino que </a:t>
+              <a:t>» ante la Inquisición y posterior condena del autor. El libro fue a continuación incluido en el </a:t>
+            </a:r>
+            <a:r>
+              <a:rPr lang="es-PE" i="1" dirty="0" err="1">
+                <a:solidFill>
+                  <a:srgbClr val="FF0000"/>
+                </a:solidFill>
+              </a:rPr>
+              <a:t>Index</a:t>
+            </a:r>
+            <a:r>
+              <a:rPr lang="es-PE" i="1" dirty="0">
+                <a:solidFill>
+                  <a:srgbClr val="FF0000"/>
+                </a:solidFill>
+              </a:rPr>
+              <a:t> </a:t>
+            </a:r>
+            <a:r>
+              <a:rPr lang="es-PE" i="1" dirty="0" err="1">
+                <a:solidFill>
+                  <a:srgbClr val="FF0000"/>
+                </a:solidFill>
+              </a:rPr>
+              <a:t>librorum</a:t>
+            </a:r>
+            <a:r>
+              <a:rPr lang="es-PE" i="1" dirty="0">
+                <a:solidFill>
+                  <a:srgbClr val="FF0000"/>
+                </a:solidFill>
+              </a:rPr>
+              <a:t> </a:t>
+            </a:r>
+            <a:r>
+              <a:rPr lang="es-PE" i="1" dirty="0" err="1">
+                <a:solidFill>
+                  <a:srgbClr val="FF0000"/>
+                </a:solidFill>
+              </a:rPr>
+              <a:t>prohibitorum</a:t>
+            </a:r>
+            <a:r>
+              <a:rPr lang="es-PE" dirty="0"/>
+              <a:t>, del cual no fue eliminado hasta 1822.</a:t>
+            </a:r>
+          </a:p>
+          <a:p>
+            <a:pPr marL="0" indent="0">
+              <a:buNone/>
+            </a:pPr>
+            <a:endParaRPr lang="es-PE" dirty="0"/>
+          </a:p>
+          <a:p>
+            <a:r>
+              <a:rPr lang="es-PE" dirty="0"/>
+              <a:t> El fenómeno que se intentaba demostrar es el movimiento de la Tierra desde un punto de vista </a:t>
             </a:r>
             <a:r>
               <a:rPr lang="es-PE" dirty="0">
@@ -10516,43 +10506,27 @@
                   <a:srgbClr val="FF0000"/>
                 </a:solidFill>
               </a:rPr>
-              <a:t>se extiende sobre buena parte de la ciencia contemporánea</a:t>
+              <a:t>puramente físico</a:t>
             </a:r>
             <a:r>
               <a:rPr lang="es-PE" dirty="0"/>
-              <a:t>. Se ilustra también lo que Galileo consideraba </a:t>
-            </a:r>
-            <a:r>
-              <a:rPr lang="es-PE" dirty="0">
-                <a:solidFill>
-                  <a:srgbClr val="FF0000"/>
-                </a:solidFill>
-              </a:rPr>
-              <a:t>buena </a:t>
-            </a:r>
-            <a:r>
-              <a:rPr lang="es-PE" dirty="0" smtClean="0">
-                <a:solidFill>
-                  <a:srgbClr val="FF0000"/>
-                </a:solidFill>
-              </a:rPr>
-              <a:t>ciencia.</a:t>
-            </a:r>
-            <a:r>
-              <a:rPr lang="es-PE" dirty="0" smtClean="0"/>
-              <a:t/>
-            </a:r>
-            <a:br>
-              <a:rPr lang="es-PE" dirty="0" smtClean="0"/>
-            </a:br>
-            <a:endParaRPr lang="es-PE" dirty="0"/>
+              <a:t>. (</a:t>
+            </a:r>
+            <a:r>
+              <a:rPr lang="es-PE" dirty="0" err="1"/>
+              <a:t>Democriteánamente</a:t>
+            </a:r>
+            <a:r>
+              <a:rPr lang="es-PE" dirty="0"/>
+              <a:t>)</a:t>
+            </a:r>
           </a:p>
         </p:txBody>
       </p:sp>
     </p:spTree>
     <p:extLst>
       <p:ext uri="{BB962C8B-B14F-4D97-AF65-F5344CB8AC3E}">
-        <p14:creationId xmlns:p14="http://schemas.microsoft.com/office/powerpoint/2010/main" val="1668628037"/>
+        <p14:creationId xmlns:p14="http://schemas.microsoft.com/office/powerpoint/2010/main" val="3713978148"/>
       </p:ext>
     </p:extLst>
   </p:cSld>
